--- a/.lessons/16 Fundamental. Database - Query Builder/8 Basic Join Statement/1.pptx
+++ b/.lessons/16 Fundamental. Database - Query Builder/8 Basic Join Statement/1.pptx
@@ -8,8 +8,22 @@
     <p:sldId id="396" r:id="rId2"/>
     <p:sldId id="397" r:id="rId3"/>
     <p:sldId id="398" r:id="rId4"/>
-    <p:sldId id="399" r:id="rId5"/>
-    <p:sldId id="400" r:id="rId6"/>
+    <p:sldId id="400" r:id="rId5"/>
+    <p:sldId id="399" r:id="rId6"/>
+    <p:sldId id="401" r:id="rId7"/>
+    <p:sldId id="404" r:id="rId8"/>
+    <p:sldId id="402" r:id="rId9"/>
+    <p:sldId id="406" r:id="rId10"/>
+    <p:sldId id="403" r:id="rId11"/>
+    <p:sldId id="407" r:id="rId12"/>
+    <p:sldId id="405" r:id="rId13"/>
+    <p:sldId id="408" r:id="rId14"/>
+    <p:sldId id="409" r:id="rId15"/>
+    <p:sldId id="410" r:id="rId16"/>
+    <p:sldId id="411" r:id="rId17"/>
+    <p:sldId id="414" r:id="rId18"/>
+    <p:sldId id="412" r:id="rId19"/>
+    <p:sldId id="413" r:id="rId20"/>
   </p:sldIdLst>
   <p:sldSz cx="12192000" cy="6858000"/>
   <p:notesSz cx="6858000" cy="9144000"/>
@@ -263,7 +277,7 @@
           <a:p>
             <a:fld id="{3E102D2E-813C-461C-9963-687A650C48C0}" type="datetimeFigureOut">
               <a:rPr lang="en-US" smtClean="0"/>
-              <a:t>4/22/2025</a:t>
+              <a:t>4/23/2025</a:t>
             </a:fld>
             <a:endParaRPr lang="en-US"/>
           </a:p>
@@ -461,7 +475,7 @@
           <a:p>
             <a:fld id="{3E102D2E-813C-461C-9963-687A650C48C0}" type="datetimeFigureOut">
               <a:rPr lang="en-US" smtClean="0"/>
-              <a:t>4/22/2025</a:t>
+              <a:t>4/23/2025</a:t>
             </a:fld>
             <a:endParaRPr lang="en-US"/>
           </a:p>
@@ -669,7 +683,7 @@
           <a:p>
             <a:fld id="{3E102D2E-813C-461C-9963-687A650C48C0}" type="datetimeFigureOut">
               <a:rPr lang="en-US" smtClean="0"/>
-              <a:t>4/22/2025</a:t>
+              <a:t>4/23/2025</a:t>
             </a:fld>
             <a:endParaRPr lang="en-US"/>
           </a:p>
@@ -867,7 +881,7 @@
           <a:p>
             <a:fld id="{3E102D2E-813C-461C-9963-687A650C48C0}" type="datetimeFigureOut">
               <a:rPr lang="en-US" smtClean="0"/>
-              <a:t>4/22/2025</a:t>
+              <a:t>4/23/2025</a:t>
             </a:fld>
             <a:endParaRPr lang="en-US"/>
           </a:p>
@@ -1142,7 +1156,7 @@
           <a:p>
             <a:fld id="{3E102D2E-813C-461C-9963-687A650C48C0}" type="datetimeFigureOut">
               <a:rPr lang="en-US" smtClean="0"/>
-              <a:t>4/22/2025</a:t>
+              <a:t>4/23/2025</a:t>
             </a:fld>
             <a:endParaRPr lang="en-US"/>
           </a:p>
@@ -1407,7 +1421,7 @@
           <a:p>
             <a:fld id="{3E102D2E-813C-461C-9963-687A650C48C0}" type="datetimeFigureOut">
               <a:rPr lang="en-US" smtClean="0"/>
-              <a:t>4/22/2025</a:t>
+              <a:t>4/23/2025</a:t>
             </a:fld>
             <a:endParaRPr lang="en-US"/>
           </a:p>
@@ -1819,7 +1833,7 @@
           <a:p>
             <a:fld id="{3E102D2E-813C-461C-9963-687A650C48C0}" type="datetimeFigureOut">
               <a:rPr lang="en-US" smtClean="0"/>
-              <a:t>4/22/2025</a:t>
+              <a:t>4/23/2025</a:t>
             </a:fld>
             <a:endParaRPr lang="en-US"/>
           </a:p>
@@ -1960,7 +1974,7 @@
           <a:p>
             <a:fld id="{3E102D2E-813C-461C-9963-687A650C48C0}" type="datetimeFigureOut">
               <a:rPr lang="en-US" smtClean="0"/>
-              <a:t>4/22/2025</a:t>
+              <a:t>4/23/2025</a:t>
             </a:fld>
             <a:endParaRPr lang="en-US"/>
           </a:p>
@@ -2073,7 +2087,7 @@
           <a:p>
             <a:fld id="{3E102D2E-813C-461C-9963-687A650C48C0}" type="datetimeFigureOut">
               <a:rPr lang="en-US" smtClean="0"/>
-              <a:t>4/22/2025</a:t>
+              <a:t>4/23/2025</a:t>
             </a:fld>
             <a:endParaRPr lang="en-US"/>
           </a:p>
@@ -2384,7 +2398,7 @@
           <a:p>
             <a:fld id="{3E102D2E-813C-461C-9963-687A650C48C0}" type="datetimeFigureOut">
               <a:rPr lang="en-US" smtClean="0"/>
-              <a:t>4/22/2025</a:t>
+              <a:t>4/23/2025</a:t>
             </a:fld>
             <a:endParaRPr lang="en-US"/>
           </a:p>
@@ -2672,7 +2686,7 @@
           <a:p>
             <a:fld id="{3E102D2E-813C-461C-9963-687A650C48C0}" type="datetimeFigureOut">
               <a:rPr lang="en-US" smtClean="0"/>
-              <a:t>4/22/2025</a:t>
+              <a:t>4/23/2025</a:t>
             </a:fld>
             <a:endParaRPr lang="en-US"/>
           </a:p>
@@ -2913,7 +2927,7 @@
           <a:p>
             <a:fld id="{3E102D2E-813C-461C-9963-687A650C48C0}" type="datetimeFigureOut">
               <a:rPr lang="en-US" smtClean="0"/>
-              <a:t>4/22/2025</a:t>
+              <a:t>4/23/2025</a:t>
             </a:fld>
             <a:endParaRPr lang="en-US"/>
           </a:p>
@@ -3351,7 +3365,7 @@
         <p:spPr>
           <a:xfrm>
             <a:off x="217714" y="255046"/>
-            <a:ext cx="11756571" cy="355354"/>
+            <a:ext cx="11756571" cy="4256422"/>
           </a:xfrm>
           <a:prstGeom prst="rect">
             <a:avLst/>
@@ -3371,7 +3385,7 @@
               <a:buNone/>
             </a:pPr>
             <a:r>
-              <a:rPr kumimoji="0" lang="en-US" altLang="en-US" sz="1300" b="0" i="0" u="none" strike="noStrike" cap="none" normalizeH="0" baseline="0">
+              <a:rPr kumimoji="0" lang="az-Latn-AZ" altLang="en-US" sz="1300" b="0" i="0" u="none" strike="noStrike" cap="none" normalizeH="0" baseline="0">
                 <a:ln>
                   <a:noFill/>
                 </a:ln>
@@ -3381,15 +3395,1793 @@
                 <a:effectLst/>
                 <a:latin typeface="Arial" panose="020B0604020202020204" pitchFamily="34" charset="0"/>
               </a:rPr>
-              <a:t>.</a:t>
-            </a:r>
-          </a:p>
-        </p:txBody>
-      </p:sp>
+              <a:t>Bu dərsi izah etməyə başlamadan əvvəl </a:t>
+            </a:r>
+            <a:r>
+              <a:rPr kumimoji="0" lang="az-Latn-AZ" altLang="en-US" sz="1300" b="1" i="0" u="none" strike="noStrike" cap="none" normalizeH="0" baseline="0">
+                <a:ln>
+                  <a:noFill/>
+                </a:ln>
+                <a:solidFill>
+                  <a:schemeClr val="tx1"/>
+                </a:solidFill>
+                <a:effectLst/>
+                <a:latin typeface="Arial" panose="020B0604020202020204" pitchFamily="34" charset="0"/>
+              </a:rPr>
+              <a:t>Category</a:t>
+            </a:r>
+            <a:r>
+              <a:rPr kumimoji="0" lang="az-Latn-AZ" altLang="en-US" sz="1300" b="0" i="0" u="none" strike="noStrike" cap="none" normalizeH="0" baseline="0">
+                <a:ln>
+                  <a:noFill/>
+                </a:ln>
+                <a:solidFill>
+                  <a:schemeClr val="tx1"/>
+                </a:solidFill>
+                <a:effectLst/>
+                <a:latin typeface="Arial" panose="020B0604020202020204" pitchFamily="34" charset="0"/>
+              </a:rPr>
+              <a:t> adında controller, </a:t>
+            </a:r>
+            <a:r>
+              <a:rPr kumimoji="0" lang="az-Latn-AZ" altLang="en-US" sz="1300" b="1" i="0" u="none" strike="noStrike" cap="none" normalizeH="0" baseline="0">
+                <a:ln>
+                  <a:noFill/>
+                </a:ln>
+                <a:solidFill>
+                  <a:schemeClr val="tx1"/>
+                </a:solidFill>
+                <a:effectLst/>
+                <a:latin typeface="Arial" panose="020B0604020202020204" pitchFamily="34" charset="0"/>
+              </a:rPr>
+              <a:t>model</a:t>
+            </a:r>
+            <a:r>
+              <a:rPr kumimoji="0" lang="az-Latn-AZ" altLang="en-US" sz="1300" b="0" i="0" u="none" strike="noStrike" cap="none" normalizeH="0" baseline="0">
+                <a:ln>
+                  <a:noFill/>
+                </a:ln>
+                <a:solidFill>
+                  <a:schemeClr val="tx1"/>
+                </a:solidFill>
+                <a:effectLst/>
+                <a:latin typeface="Arial" panose="020B0604020202020204" pitchFamily="34" charset="0"/>
+              </a:rPr>
+              <a:t> və </a:t>
+            </a:r>
+            <a:r>
+              <a:rPr kumimoji="0" lang="az-Latn-AZ" altLang="en-US" sz="1300" b="1" i="0" u="none" strike="noStrike" cap="none" normalizeH="0" baseline="0">
+                <a:ln>
+                  <a:noFill/>
+                </a:ln>
+                <a:solidFill>
+                  <a:schemeClr val="tx1"/>
+                </a:solidFill>
+                <a:effectLst/>
+                <a:latin typeface="Arial" panose="020B0604020202020204" pitchFamily="34" charset="0"/>
+              </a:rPr>
+              <a:t>migration</a:t>
+            </a:r>
+            <a:r>
+              <a:rPr kumimoji="0" lang="az-Latn-AZ" altLang="en-US" sz="1300" b="0" i="0" u="none" strike="noStrike" cap="none" normalizeH="0" baseline="0">
+                <a:ln>
+                  <a:noFill/>
+                </a:ln>
+                <a:solidFill>
+                  <a:schemeClr val="tx1"/>
+                </a:solidFill>
+                <a:effectLst/>
+                <a:latin typeface="Arial" panose="020B0604020202020204" pitchFamily="34" charset="0"/>
+              </a:rPr>
+              <a:t> yaradırıq. Bunun üçün aşağı şəkildəki əmrdən istifad</a:t>
+            </a:r>
+            <a:r>
+              <a:rPr lang="az-Latn-AZ" altLang="en-US" sz="1300">
+                <a:latin typeface="Arial" panose="020B0604020202020204" pitchFamily="34" charset="0"/>
+              </a:rPr>
+              <a:t>ə edirik.</a:t>
+            </a:r>
+          </a:p>
+          <a:p>
+            <a:pPr>
+              <a:lnSpc>
+                <a:spcPct val="150000"/>
+              </a:lnSpc>
+              <a:buNone/>
+            </a:pPr>
+            <a:endParaRPr kumimoji="0" lang="az-Latn-AZ" altLang="en-US" sz="1300" b="0" i="0" u="none" strike="noStrike" cap="none" normalizeH="0" baseline="0">
+              <a:ln>
+                <a:noFill/>
+              </a:ln>
+              <a:solidFill>
+                <a:schemeClr val="tx1"/>
+              </a:solidFill>
+              <a:effectLst/>
+              <a:latin typeface="Arial" panose="020B0604020202020204" pitchFamily="34" charset="0"/>
+            </a:endParaRPr>
+          </a:p>
+          <a:p>
+            <a:pPr>
+              <a:lnSpc>
+                <a:spcPct val="150000"/>
+              </a:lnSpc>
+              <a:buNone/>
+            </a:pPr>
+            <a:endParaRPr lang="az-Latn-AZ" altLang="en-US" sz="1300">
+              <a:latin typeface="Arial" panose="020B0604020202020204" pitchFamily="34" charset="0"/>
+            </a:endParaRPr>
+          </a:p>
+          <a:p>
+            <a:pPr>
+              <a:lnSpc>
+                <a:spcPct val="150000"/>
+              </a:lnSpc>
+              <a:buNone/>
+            </a:pPr>
+            <a:endParaRPr kumimoji="0" lang="az-Latn-AZ" altLang="en-US" sz="1300" b="0" i="0" u="none" strike="noStrike" cap="none" normalizeH="0" baseline="0">
+              <a:ln>
+                <a:noFill/>
+              </a:ln>
+              <a:solidFill>
+                <a:schemeClr val="tx1"/>
+              </a:solidFill>
+              <a:effectLst/>
+              <a:latin typeface="Arial" panose="020B0604020202020204" pitchFamily="34" charset="0"/>
+            </a:endParaRPr>
+          </a:p>
+          <a:p>
+            <a:pPr>
+              <a:lnSpc>
+                <a:spcPct val="150000"/>
+              </a:lnSpc>
+              <a:buNone/>
+            </a:pPr>
+            <a:endParaRPr lang="az-Latn-AZ" altLang="en-US" sz="1300">
+              <a:latin typeface="Arial" panose="020B0604020202020204" pitchFamily="34" charset="0"/>
+            </a:endParaRPr>
+          </a:p>
+          <a:p>
+            <a:pPr>
+              <a:lnSpc>
+                <a:spcPct val="150000"/>
+              </a:lnSpc>
+              <a:buNone/>
+            </a:pPr>
+            <a:endParaRPr lang="az-Latn-AZ" altLang="en-US" sz="1300">
+              <a:latin typeface="Arial" panose="020B0604020202020204" pitchFamily="34" charset="0"/>
+            </a:endParaRPr>
+          </a:p>
+          <a:p>
+            <a:pPr>
+              <a:lnSpc>
+                <a:spcPct val="150000"/>
+              </a:lnSpc>
+              <a:buNone/>
+            </a:pPr>
+            <a:endParaRPr kumimoji="0" lang="az-Latn-AZ" altLang="en-US" sz="1300" b="0" i="0" u="none" strike="noStrike" cap="none" normalizeH="0" baseline="0">
+              <a:ln>
+                <a:noFill/>
+              </a:ln>
+              <a:solidFill>
+                <a:schemeClr val="tx1"/>
+              </a:solidFill>
+              <a:effectLst/>
+              <a:latin typeface="Arial" panose="020B0604020202020204" pitchFamily="34" charset="0"/>
+            </a:endParaRPr>
+          </a:p>
+          <a:p>
+            <a:pPr>
+              <a:lnSpc>
+                <a:spcPct val="150000"/>
+              </a:lnSpc>
+              <a:buNone/>
+            </a:pPr>
+            <a:r>
+              <a:rPr lang="az-Latn-AZ" altLang="en-US" sz="1300">
+                <a:latin typeface="Arial" panose="020B0604020202020204" pitchFamily="34" charset="0"/>
+              </a:rPr>
+              <a:t>Sonra </a:t>
+            </a:r>
+            <a:r>
+              <a:rPr lang="az-Latn-AZ" altLang="en-US" sz="1300" b="1" i="1">
+                <a:latin typeface="Arial" panose="020B0604020202020204" pitchFamily="34" charset="0"/>
+              </a:rPr>
+              <a:t>migration</a:t>
+            </a:r>
+            <a:r>
+              <a:rPr lang="az-Latn-AZ" altLang="en-US" sz="1300">
+                <a:latin typeface="Arial" panose="020B0604020202020204" pitchFamily="34" charset="0"/>
+              </a:rPr>
+              <a:t> -nı </a:t>
+            </a:r>
+            <a:r>
+              <a:rPr lang="az-Latn-AZ" altLang="en-US" sz="1300" b="1">
+                <a:solidFill>
+                  <a:srgbClr val="0070C0"/>
+                </a:solidFill>
+                <a:latin typeface="Arial" panose="020B0604020202020204" pitchFamily="34" charset="0"/>
+              </a:rPr>
+              <a:t>migrate</a:t>
+            </a:r>
+            <a:r>
+              <a:rPr lang="az-Latn-AZ" altLang="en-US" sz="1300">
+                <a:latin typeface="Arial" panose="020B0604020202020204" pitchFamily="34" charset="0"/>
+              </a:rPr>
+              <a:t> etmək üçün növbəti əmri yazırıq.</a:t>
+            </a:r>
+          </a:p>
+          <a:p>
+            <a:pPr>
+              <a:lnSpc>
+                <a:spcPct val="150000"/>
+              </a:lnSpc>
+              <a:buNone/>
+            </a:pPr>
+            <a:endParaRPr kumimoji="0" lang="az-Latn-AZ" altLang="en-US" sz="1300" b="0" i="0" u="none" strike="noStrike" cap="none" normalizeH="0" baseline="0">
+              <a:ln>
+                <a:noFill/>
+              </a:ln>
+              <a:solidFill>
+                <a:schemeClr val="tx1"/>
+              </a:solidFill>
+              <a:effectLst/>
+              <a:latin typeface="Arial" panose="020B0604020202020204" pitchFamily="34" charset="0"/>
+            </a:endParaRPr>
+          </a:p>
+          <a:p>
+            <a:pPr>
+              <a:lnSpc>
+                <a:spcPct val="150000"/>
+              </a:lnSpc>
+              <a:buNone/>
+            </a:pPr>
+            <a:endParaRPr lang="az-Latn-AZ" altLang="en-US" sz="1300">
+              <a:latin typeface="Arial" panose="020B0604020202020204" pitchFamily="34" charset="0"/>
+            </a:endParaRPr>
+          </a:p>
+          <a:p>
+            <a:pPr>
+              <a:lnSpc>
+                <a:spcPct val="150000"/>
+              </a:lnSpc>
+              <a:buNone/>
+            </a:pPr>
+            <a:endParaRPr kumimoji="0" lang="az-Latn-AZ" altLang="en-US" sz="1300" b="0" i="0" u="none" strike="noStrike" cap="none" normalizeH="0" baseline="0">
+              <a:ln>
+                <a:noFill/>
+              </a:ln>
+              <a:solidFill>
+                <a:schemeClr val="tx1"/>
+              </a:solidFill>
+              <a:effectLst/>
+              <a:latin typeface="Arial" panose="020B0604020202020204" pitchFamily="34" charset="0"/>
+            </a:endParaRPr>
+          </a:p>
+          <a:p>
+            <a:pPr>
+              <a:lnSpc>
+                <a:spcPct val="150000"/>
+              </a:lnSpc>
+              <a:buNone/>
+            </a:pPr>
+            <a:endParaRPr lang="az-Latn-AZ" altLang="en-US" sz="1300">
+              <a:latin typeface="Arial" panose="020B0604020202020204" pitchFamily="34" charset="0"/>
+            </a:endParaRPr>
+          </a:p>
+          <a:p>
+            <a:pPr>
+              <a:lnSpc>
+                <a:spcPct val="150000"/>
+              </a:lnSpc>
+              <a:buNone/>
+            </a:pPr>
+            <a:endParaRPr lang="az-Latn-AZ" altLang="en-US" sz="1300">
+              <a:latin typeface="Arial" panose="020B0604020202020204" pitchFamily="34" charset="0"/>
+            </a:endParaRPr>
+          </a:p>
+          <a:p>
+            <a:pPr>
+              <a:lnSpc>
+                <a:spcPct val="150000"/>
+              </a:lnSpc>
+              <a:buNone/>
+            </a:pPr>
+            <a:r>
+              <a:rPr kumimoji="0" lang="az-Latn-AZ" altLang="en-US" sz="1300" b="0" i="0" u="none" strike="noStrike" cap="none" normalizeH="0" baseline="0">
+                <a:ln>
+                  <a:noFill/>
+                </a:ln>
+                <a:solidFill>
+                  <a:schemeClr val="tx1"/>
+                </a:solidFill>
+                <a:effectLst/>
+                <a:latin typeface="Arial" panose="020B0604020202020204" pitchFamily="34" charset="0"/>
+              </a:rPr>
+              <a:t>Əgər bi</a:t>
+            </a:r>
+            <a:r>
+              <a:rPr lang="az-Latn-AZ" altLang="en-US" sz="1300">
+                <a:latin typeface="Arial" panose="020B0604020202020204" pitchFamily="34" charset="0"/>
+              </a:rPr>
+              <a:t>r xəta baş verərsə onda bütün DB -si sıfırlamaq kömək edə bilərk.</a:t>
+            </a:r>
+            <a:endParaRPr kumimoji="0" lang="az-Latn-AZ" altLang="en-US" sz="1300" b="0" i="0" u="none" strike="noStrike" cap="none" normalizeH="0" baseline="0">
+              <a:ln>
+                <a:noFill/>
+              </a:ln>
+              <a:solidFill>
+                <a:schemeClr val="tx1"/>
+              </a:solidFill>
+              <a:effectLst/>
+              <a:latin typeface="Arial" panose="020B0604020202020204" pitchFamily="34" charset="0"/>
+            </a:endParaRPr>
+          </a:p>
+        </p:txBody>
+      </p:sp>
+      <p:pic>
+        <p:nvPicPr>
+          <p:cNvPr id="4" name="Picture 3">
+            <a:extLst>
+              <a:ext uri="{FF2B5EF4-FFF2-40B4-BE49-F238E27FC236}">
+                <a16:creationId xmlns:a16="http://schemas.microsoft.com/office/drawing/2014/main" id="{71566C51-0A77-9F75-1366-44C1A575A0A6}"/>
+              </a:ext>
+            </a:extLst>
+          </p:cNvPr>
+          <p:cNvPicPr>
+            <a:picLocks noChangeAspect="1"/>
+          </p:cNvPicPr>
+          <p:nvPr/>
+        </p:nvPicPr>
+        <p:blipFill>
+          <a:blip r:embed="rId2"/>
+          <a:srcRect b="37629"/>
+          <a:stretch/>
+        </p:blipFill>
+        <p:spPr>
+          <a:xfrm>
+            <a:off x="217714" y="829661"/>
+            <a:ext cx="7268589" cy="831830"/>
+          </a:xfrm>
+          <a:prstGeom prst="rect">
+            <a:avLst/>
+          </a:prstGeom>
+        </p:spPr>
+      </p:pic>
+      <p:pic>
+        <p:nvPicPr>
+          <p:cNvPr id="6" name="Picture 5">
+            <a:extLst>
+              <a:ext uri="{FF2B5EF4-FFF2-40B4-BE49-F238E27FC236}">
+                <a16:creationId xmlns:a16="http://schemas.microsoft.com/office/drawing/2014/main" id="{216358FB-C3A3-A923-8F4E-DA04D4CB201B}"/>
+              </a:ext>
+            </a:extLst>
+          </p:cNvPr>
+          <p:cNvPicPr>
+            <a:picLocks noChangeAspect="1"/>
+          </p:cNvPicPr>
+          <p:nvPr/>
+        </p:nvPicPr>
+        <p:blipFill>
+          <a:blip r:embed="rId3"/>
+          <a:srcRect b="41722"/>
+          <a:stretch/>
+        </p:blipFill>
+        <p:spPr>
+          <a:xfrm>
+            <a:off x="217714" y="2860972"/>
+            <a:ext cx="5849166" cy="749494"/>
+          </a:xfrm>
+          <a:prstGeom prst="rect">
+            <a:avLst/>
+          </a:prstGeom>
+        </p:spPr>
+      </p:pic>
+      <p:pic>
+        <p:nvPicPr>
+          <p:cNvPr id="8" name="Picture 7">
+            <a:extLst>
+              <a:ext uri="{FF2B5EF4-FFF2-40B4-BE49-F238E27FC236}">
+                <a16:creationId xmlns:a16="http://schemas.microsoft.com/office/drawing/2014/main" id="{DDAFD97C-1196-F709-F2D8-534FE44CE21B}"/>
+              </a:ext>
+            </a:extLst>
+          </p:cNvPr>
+          <p:cNvPicPr>
+            <a:picLocks noChangeAspect="1"/>
+          </p:cNvPicPr>
+          <p:nvPr/>
+        </p:nvPicPr>
+        <p:blipFill>
+          <a:blip r:embed="rId4"/>
+          <a:stretch>
+            <a:fillRect/>
+          </a:stretch>
+        </p:blipFill>
+        <p:spPr>
+          <a:xfrm>
+            <a:off x="217714" y="4685977"/>
+            <a:ext cx="5420481" cy="800212"/>
+          </a:xfrm>
+          <a:prstGeom prst="rect">
+            <a:avLst/>
+          </a:prstGeom>
+        </p:spPr>
+      </p:pic>
     </p:spTree>
     <p:extLst>
       <p:ext uri="{BB962C8B-B14F-4D97-AF65-F5344CB8AC3E}">
         <p14:creationId xmlns:p14="http://schemas.microsoft.com/office/powerpoint/2010/main" val="2123153945"/>
+      </p:ext>
+    </p:extLst>
+  </p:cSld>
+  <p:clrMapOvr>
+    <a:masterClrMapping/>
+  </p:clrMapOvr>
+</p:sld>
+</file>
+
+<file path=ppt/slides/slide10.xml><?xml version="1.0" encoding="utf-8"?>
+<p:sld xmlns:a="http://schemas.openxmlformats.org/drawingml/2006/main" xmlns:r="http://schemas.openxmlformats.org/officeDocument/2006/relationships" xmlns:p="http://schemas.openxmlformats.org/presentationml/2006/main">
+  <p:cSld>
+    <p:spTree>
+      <p:nvGrpSpPr>
+        <p:cNvPr id="1" name="">
+          <a:extLst>
+            <a:ext uri="{FF2B5EF4-FFF2-40B4-BE49-F238E27FC236}">
+              <a16:creationId xmlns:a16="http://schemas.microsoft.com/office/drawing/2014/main" id="{5D86AF5E-668E-65A6-9ED1-36B349B5CB53}"/>
+            </a:ext>
+          </a:extLst>
+        </p:cNvPr>
+        <p:cNvGrpSpPr/>
+        <p:nvPr/>
+      </p:nvGrpSpPr>
+      <p:grpSpPr>
+        <a:xfrm>
+          <a:off x="0" y="0"/>
+          <a:ext cx="0" cy="0"/>
+          <a:chOff x="0" y="0"/>
+          <a:chExt cx="0" cy="0"/>
+        </a:xfrm>
+      </p:grpSpPr>
+      <p:sp>
+        <p:nvSpPr>
+          <p:cNvPr id="7" name="TextBox 6">
+            <a:extLst>
+              <a:ext uri="{FF2B5EF4-FFF2-40B4-BE49-F238E27FC236}">
+                <a16:creationId xmlns:a16="http://schemas.microsoft.com/office/drawing/2014/main" id="{3B883A7A-F042-C08B-D50C-3D64F7E9E2B7}"/>
+              </a:ext>
+            </a:extLst>
+          </p:cNvPr>
+          <p:cNvSpPr txBox="1"/>
+          <p:nvPr/>
+        </p:nvSpPr>
+        <p:spPr>
+          <a:xfrm>
+            <a:off x="273377" y="310613"/>
+            <a:ext cx="11792932" cy="2031325"/>
+          </a:xfrm>
+          <a:prstGeom prst="rect">
+            <a:avLst/>
+          </a:prstGeom>
+          <a:noFill/>
+        </p:spPr>
+        <p:txBody>
+          <a:bodyPr wrap="square">
+            <a:spAutoFit/>
+          </a:bodyPr>
+          <a:lstStyle/>
+          <a:p>
+            <a:r>
+              <a:rPr lang="en-US"/>
+              <a:t>Bu o deməkdir ki:</a:t>
+            </a:r>
+          </a:p>
+          <a:p>
+            <a:endParaRPr lang="en-US"/>
+          </a:p>
+          <a:p>
+            <a:r>
+              <a:rPr lang="en-US" b="1"/>
+              <a:t>posts</a:t>
+            </a:r>
+            <a:r>
+              <a:rPr lang="en-US"/>
+              <a:t> və </a:t>
+            </a:r>
+            <a:r>
+              <a:rPr lang="en-US" b="1"/>
+              <a:t>categories</a:t>
+            </a:r>
+            <a:r>
+              <a:rPr lang="en-US"/>
+              <a:t> cədvəlləri arasında </a:t>
+            </a:r>
+            <a:r>
+              <a:rPr lang="en-US" b="1">
+                <a:solidFill>
+                  <a:srgbClr val="0070C0"/>
+                </a:solidFill>
+              </a:rPr>
+              <a:t>id</a:t>
+            </a:r>
+            <a:r>
+              <a:rPr lang="en-US"/>
+              <a:t> sütunu ilə uyğun gələn sətrlər birləşdiriləcək</a:t>
+            </a:r>
+          </a:p>
+          <a:p>
+            <a:endParaRPr lang="en-US"/>
+          </a:p>
+          <a:p>
+            <a:r>
+              <a:rPr lang="en-US"/>
+              <a:t>Nəticədə hər iki cədvəldən məlumatlar gətiriləcək.</a:t>
+            </a:r>
+            <a:endParaRPr lang="az-Latn-AZ"/>
+          </a:p>
+          <a:p>
+            <a:endParaRPr lang="az-Latn-AZ"/>
+          </a:p>
+          <a:p>
+            <a:r>
+              <a:rPr lang="en-US"/>
+              <a:t>Çünki </a:t>
+            </a:r>
+            <a:r>
+              <a:rPr lang="en-US" b="1"/>
+              <a:t>posts</a:t>
+            </a:r>
+            <a:r>
+              <a:rPr lang="en-US"/>
+              <a:t> cədvəlində </a:t>
+            </a:r>
+            <a:r>
+              <a:rPr lang="en-US" b="1"/>
+              <a:t>category_id </a:t>
+            </a:r>
+            <a:r>
+              <a:rPr lang="en-US"/>
+              <a:t>xarici açardır (</a:t>
+            </a:r>
+            <a:r>
+              <a:rPr lang="en-US" b="1">
+                <a:solidFill>
+                  <a:srgbClr val="00B050"/>
+                </a:solidFill>
+              </a:rPr>
+              <a:t>foreign key</a:t>
+            </a:r>
+            <a:r>
+              <a:rPr lang="en-US"/>
+              <a:t>), </a:t>
+            </a:r>
+            <a:r>
+              <a:rPr lang="en-US" b="1"/>
+              <a:t>categories</a:t>
+            </a:r>
+            <a:r>
+              <a:rPr lang="en-US"/>
+              <a:t> isə əsas cədvəldir.</a:t>
+            </a:r>
+          </a:p>
+        </p:txBody>
+      </p:sp>
+      <p:pic>
+        <p:nvPicPr>
+          <p:cNvPr id="12" name="Picture 11">
+            <a:extLst>
+              <a:ext uri="{FF2B5EF4-FFF2-40B4-BE49-F238E27FC236}">
+                <a16:creationId xmlns:a16="http://schemas.microsoft.com/office/drawing/2014/main" id="{853A36BD-8A96-4A46-FEAC-A79EEED0E88F}"/>
+              </a:ext>
+            </a:extLst>
+          </p:cNvPr>
+          <p:cNvPicPr>
+            <a:picLocks noChangeAspect="1"/>
+          </p:cNvPicPr>
+          <p:nvPr/>
+        </p:nvPicPr>
+        <p:blipFill>
+          <a:blip r:embed="rId2"/>
+          <a:stretch>
+            <a:fillRect/>
+          </a:stretch>
+        </p:blipFill>
+        <p:spPr>
+          <a:xfrm>
+            <a:off x="3646882" y="3342784"/>
+            <a:ext cx="8545118" cy="3515216"/>
+          </a:xfrm>
+          <a:prstGeom prst="rect">
+            <a:avLst/>
+          </a:prstGeom>
+        </p:spPr>
+      </p:pic>
+    </p:spTree>
+    <p:extLst>
+      <p:ext uri="{BB962C8B-B14F-4D97-AF65-F5344CB8AC3E}">
+        <p14:creationId xmlns:p14="http://schemas.microsoft.com/office/powerpoint/2010/main" val="2892552442"/>
+      </p:ext>
+    </p:extLst>
+  </p:cSld>
+  <p:clrMapOvr>
+    <a:masterClrMapping/>
+  </p:clrMapOvr>
+</p:sld>
+</file>
+
+<file path=ppt/slides/slide11.xml><?xml version="1.0" encoding="utf-8"?>
+<p:sld xmlns:a="http://schemas.openxmlformats.org/drawingml/2006/main" xmlns:r="http://schemas.openxmlformats.org/officeDocument/2006/relationships" xmlns:p="http://schemas.openxmlformats.org/presentationml/2006/main">
+  <p:cSld>
+    <p:spTree>
+      <p:nvGrpSpPr>
+        <p:cNvPr id="1" name="">
+          <a:extLst>
+            <a:ext uri="{FF2B5EF4-FFF2-40B4-BE49-F238E27FC236}">
+              <a16:creationId xmlns:a16="http://schemas.microsoft.com/office/drawing/2014/main" id="{B30C944F-B8FB-5E18-333D-3162471D964A}"/>
+            </a:ext>
+          </a:extLst>
+        </p:cNvPr>
+        <p:cNvGrpSpPr/>
+        <p:nvPr/>
+      </p:nvGrpSpPr>
+      <p:grpSpPr>
+        <a:xfrm>
+          <a:off x="0" y="0"/>
+          <a:ext cx="0" cy="0"/>
+          <a:chOff x="0" y="0"/>
+          <a:chExt cx="0" cy="0"/>
+        </a:xfrm>
+      </p:grpSpPr>
+      <p:sp>
+        <p:nvSpPr>
+          <p:cNvPr id="2" name="TextBox 1">
+            <a:extLst>
+              <a:ext uri="{FF2B5EF4-FFF2-40B4-BE49-F238E27FC236}">
+                <a16:creationId xmlns:a16="http://schemas.microsoft.com/office/drawing/2014/main" id="{4EC1A649-F801-3C37-686D-AC13E4C1A618}"/>
+              </a:ext>
+            </a:extLst>
+          </p:cNvPr>
+          <p:cNvSpPr txBox="1"/>
+          <p:nvPr/>
+        </p:nvSpPr>
+        <p:spPr>
+          <a:xfrm>
+            <a:off x="273377" y="310613"/>
+            <a:ext cx="11792932" cy="646331"/>
+          </a:xfrm>
+          <a:prstGeom prst="rect">
+            <a:avLst/>
+          </a:prstGeom>
+          <a:noFill/>
+        </p:spPr>
+        <p:txBody>
+          <a:bodyPr wrap="square">
+            <a:spAutoFit/>
+          </a:bodyPr>
+          <a:lstStyle/>
+          <a:p>
+            <a:r>
+              <a:rPr lang="az-Latn-AZ"/>
+              <a:t>Nəticə</a:t>
+            </a:r>
+          </a:p>
+          <a:p>
+            <a:endParaRPr lang="en-US"/>
+          </a:p>
+        </p:txBody>
+      </p:sp>
+      <p:pic>
+        <p:nvPicPr>
+          <p:cNvPr id="4" name="Picture 3">
+            <a:extLst>
+              <a:ext uri="{FF2B5EF4-FFF2-40B4-BE49-F238E27FC236}">
+                <a16:creationId xmlns:a16="http://schemas.microsoft.com/office/drawing/2014/main" id="{0E4A992E-4F73-1BD4-901D-7B740F9FCB0E}"/>
+              </a:ext>
+            </a:extLst>
+          </p:cNvPr>
+          <p:cNvPicPr>
+            <a:picLocks noChangeAspect="1"/>
+          </p:cNvPicPr>
+          <p:nvPr/>
+        </p:nvPicPr>
+        <p:blipFill>
+          <a:blip r:embed="rId2"/>
+          <a:stretch>
+            <a:fillRect/>
+          </a:stretch>
+        </p:blipFill>
+        <p:spPr>
+          <a:xfrm>
+            <a:off x="8527481" y="0"/>
+            <a:ext cx="3664519" cy="6858000"/>
+          </a:xfrm>
+          <a:prstGeom prst="rect">
+            <a:avLst/>
+          </a:prstGeom>
+        </p:spPr>
+      </p:pic>
+    </p:spTree>
+    <p:extLst>
+      <p:ext uri="{BB962C8B-B14F-4D97-AF65-F5344CB8AC3E}">
+        <p14:creationId xmlns:p14="http://schemas.microsoft.com/office/powerpoint/2010/main" val="3141468706"/>
+      </p:ext>
+    </p:extLst>
+  </p:cSld>
+  <p:clrMapOvr>
+    <a:masterClrMapping/>
+  </p:clrMapOvr>
+</p:sld>
+</file>
+
+<file path=ppt/slides/slide12.xml><?xml version="1.0" encoding="utf-8"?>
+<p:sld xmlns:a="http://schemas.openxmlformats.org/drawingml/2006/main" xmlns:r="http://schemas.openxmlformats.org/officeDocument/2006/relationships" xmlns:p="http://schemas.openxmlformats.org/presentationml/2006/main">
+  <p:cSld>
+    <p:spTree>
+      <p:nvGrpSpPr>
+        <p:cNvPr id="1" name="">
+          <a:extLst>
+            <a:ext uri="{FF2B5EF4-FFF2-40B4-BE49-F238E27FC236}">
+              <a16:creationId xmlns:a16="http://schemas.microsoft.com/office/drawing/2014/main" id="{DCA66A79-4CDE-BFDD-E9FD-8FBEF6F0F7C6}"/>
+            </a:ext>
+          </a:extLst>
+        </p:cNvPr>
+        <p:cNvGrpSpPr/>
+        <p:nvPr/>
+      </p:nvGrpSpPr>
+      <p:grpSpPr>
+        <a:xfrm>
+          <a:off x="0" y="0"/>
+          <a:ext cx="0" cy="0"/>
+          <a:chOff x="0" y="0"/>
+          <a:chExt cx="0" cy="0"/>
+        </a:xfrm>
+      </p:grpSpPr>
+      <p:sp>
+        <p:nvSpPr>
+          <p:cNvPr id="2" name="TextBox 1">
+            <a:extLst>
+              <a:ext uri="{FF2B5EF4-FFF2-40B4-BE49-F238E27FC236}">
+                <a16:creationId xmlns:a16="http://schemas.microsoft.com/office/drawing/2014/main" id="{3B061455-A35E-0223-39E4-B564FC0F0D4A}"/>
+              </a:ext>
+            </a:extLst>
+          </p:cNvPr>
+          <p:cNvSpPr txBox="1"/>
+          <p:nvPr/>
+        </p:nvSpPr>
+        <p:spPr>
+          <a:xfrm>
+            <a:off x="273377" y="188065"/>
+            <a:ext cx="11792932" cy="3077766"/>
+          </a:xfrm>
+          <a:prstGeom prst="rect">
+            <a:avLst/>
+          </a:prstGeom>
+          <a:noFill/>
+        </p:spPr>
+        <p:txBody>
+          <a:bodyPr wrap="square">
+            <a:spAutoFit/>
+          </a:bodyPr>
+          <a:lstStyle/>
+          <a:p>
+            <a:r>
+              <a:rPr lang="en-US" sz="1600" b="1">
+                <a:solidFill>
+                  <a:srgbClr val="FF0000"/>
+                </a:solidFill>
+              </a:rPr>
+              <a:t>select() </a:t>
+            </a:r>
+            <a:r>
+              <a:rPr lang="en-US" sz="1600"/>
+              <a:t>nə üçün istifadə olunur?</a:t>
+            </a:r>
+          </a:p>
+          <a:p>
+            <a:endParaRPr lang="en-US" sz="1600"/>
+          </a:p>
+          <a:p>
+            <a:r>
+              <a:rPr lang="en-US" sz="1600" b="1"/>
+              <a:t>Bu sətir</a:t>
+            </a:r>
+            <a:r>
+              <a:rPr lang="en-US" sz="1600"/>
+              <a:t>: deməkdir ki, nəticə olaraq yalnız </a:t>
+            </a:r>
+            <a:r>
+              <a:rPr lang="en-US" sz="1600" b="1"/>
+              <a:t>categories</a:t>
+            </a:r>
+            <a:r>
+              <a:rPr lang="en-US" sz="1600"/>
+              <a:t> cədvəlindən olan sütunları geri qaytar.</a:t>
+            </a:r>
+          </a:p>
+          <a:p>
+            <a:endParaRPr lang="en-US" sz="1600"/>
+          </a:p>
+          <a:p>
+            <a:r>
+              <a:rPr lang="en-US" sz="1600"/>
+              <a:t>Əgər </a:t>
+            </a:r>
+            <a:r>
+              <a:rPr lang="en-US" sz="1600" b="1"/>
+              <a:t>select() </a:t>
+            </a:r>
+            <a:r>
+              <a:rPr lang="en-US" sz="1600"/>
+              <a:t>istifadə etməsən: Laravel həm </a:t>
+            </a:r>
+            <a:r>
+              <a:rPr lang="en-US" sz="1600" b="1">
+                <a:solidFill>
+                  <a:srgbClr val="0070C0"/>
+                </a:solidFill>
+              </a:rPr>
+              <a:t>posts</a:t>
+            </a:r>
+            <a:r>
+              <a:rPr lang="en-US" sz="1600"/>
+              <a:t>, həm də </a:t>
+            </a:r>
+            <a:r>
+              <a:rPr lang="en-US" sz="1600" b="1">
+                <a:solidFill>
+                  <a:srgbClr val="0070C0"/>
+                </a:solidFill>
+              </a:rPr>
+              <a:t>categories</a:t>
+            </a:r>
+            <a:r>
+              <a:rPr lang="en-US" sz="1600"/>
+              <a:t> cədvəllərindəki bütün sütunları seçəcək və əgər eyni adlı sütunlar varsa (məsələn</a:t>
+            </a:r>
+            <a:r>
+              <a:rPr lang="en-US" sz="1600" b="1">
+                <a:solidFill>
+                  <a:srgbClr val="00B050"/>
+                </a:solidFill>
+              </a:rPr>
+              <a:t>, id, created_at, updated_at</a:t>
+            </a:r>
+            <a:r>
+              <a:rPr lang="en-US" sz="1600"/>
+              <a:t>) onlar toqquşacaq.</a:t>
+            </a:r>
+          </a:p>
+          <a:p>
+            <a:endParaRPr lang="en-US" sz="1600"/>
+          </a:p>
+          <a:p>
+            <a:r>
+              <a:rPr lang="en-US" sz="1600"/>
+              <a:t>Ona görə də </a:t>
+            </a:r>
+            <a:r>
+              <a:rPr lang="en-US" sz="1600" b="1"/>
+              <a:t>select() </a:t>
+            </a:r>
+            <a:r>
+              <a:rPr lang="en-US" sz="1600"/>
+              <a:t>metodu:</a:t>
+            </a:r>
+          </a:p>
+          <a:p>
+            <a:endParaRPr lang="en-US" sz="1600"/>
+          </a:p>
+          <a:p>
+            <a:r>
+              <a:rPr lang="en-US" sz="1600"/>
+              <a:t>Hansı cədvəldən nəyi göstərmək istədiyini dəqiqləşdirmək üçün</a:t>
+            </a:r>
+          </a:p>
+          <a:p>
+            <a:endParaRPr lang="en-US" sz="1600"/>
+          </a:p>
+          <a:p>
+            <a:r>
+              <a:rPr lang="en-US" sz="1600"/>
+              <a:t>Performans və aydınlıq üçün istifadə olunur.</a:t>
+            </a:r>
+          </a:p>
+        </p:txBody>
+      </p:sp>
+      <p:pic>
+        <p:nvPicPr>
+          <p:cNvPr id="4" name="Picture 3">
+            <a:extLst>
+              <a:ext uri="{FF2B5EF4-FFF2-40B4-BE49-F238E27FC236}">
+                <a16:creationId xmlns:a16="http://schemas.microsoft.com/office/drawing/2014/main" id="{D782EB9B-D9E0-EC52-4F05-A7086C721F59}"/>
+              </a:ext>
+            </a:extLst>
+          </p:cNvPr>
+          <p:cNvPicPr>
+            <a:picLocks noChangeAspect="1"/>
+          </p:cNvPicPr>
+          <p:nvPr/>
+        </p:nvPicPr>
+        <p:blipFill>
+          <a:blip r:embed="rId2"/>
+          <a:stretch>
+            <a:fillRect/>
+          </a:stretch>
+        </p:blipFill>
+        <p:spPr>
+          <a:xfrm>
+            <a:off x="1493932" y="3390416"/>
+            <a:ext cx="10698068" cy="3467584"/>
+          </a:xfrm>
+          <a:prstGeom prst="rect">
+            <a:avLst/>
+          </a:prstGeom>
+        </p:spPr>
+      </p:pic>
+    </p:spTree>
+    <p:extLst>
+      <p:ext uri="{BB962C8B-B14F-4D97-AF65-F5344CB8AC3E}">
+        <p14:creationId xmlns:p14="http://schemas.microsoft.com/office/powerpoint/2010/main" val="3510327730"/>
+      </p:ext>
+    </p:extLst>
+  </p:cSld>
+  <p:clrMapOvr>
+    <a:masterClrMapping/>
+  </p:clrMapOvr>
+</p:sld>
+</file>
+
+<file path=ppt/slides/slide13.xml><?xml version="1.0" encoding="utf-8"?>
+<p:sld xmlns:a="http://schemas.openxmlformats.org/drawingml/2006/main" xmlns:r="http://schemas.openxmlformats.org/officeDocument/2006/relationships" xmlns:p="http://schemas.openxmlformats.org/presentationml/2006/main">
+  <p:cSld>
+    <p:spTree>
+      <p:nvGrpSpPr>
+        <p:cNvPr id="1" name="">
+          <a:extLst>
+            <a:ext uri="{FF2B5EF4-FFF2-40B4-BE49-F238E27FC236}">
+              <a16:creationId xmlns:a16="http://schemas.microsoft.com/office/drawing/2014/main" id="{D01CD38C-5555-8D9B-7F64-4A5DE2B490DD}"/>
+            </a:ext>
+          </a:extLst>
+        </p:cNvPr>
+        <p:cNvGrpSpPr/>
+        <p:nvPr/>
+      </p:nvGrpSpPr>
+      <p:grpSpPr>
+        <a:xfrm>
+          <a:off x="0" y="0"/>
+          <a:ext cx="0" cy="0"/>
+          <a:chOff x="0" y="0"/>
+          <a:chExt cx="0" cy="0"/>
+        </a:xfrm>
+      </p:grpSpPr>
+      <p:sp>
+        <p:nvSpPr>
+          <p:cNvPr id="2" name="TextBox 1">
+            <a:extLst>
+              <a:ext uri="{FF2B5EF4-FFF2-40B4-BE49-F238E27FC236}">
+                <a16:creationId xmlns:a16="http://schemas.microsoft.com/office/drawing/2014/main" id="{AD71E9E7-785B-598E-8F51-A41B253F656C}"/>
+              </a:ext>
+            </a:extLst>
+          </p:cNvPr>
+          <p:cNvSpPr txBox="1"/>
+          <p:nvPr/>
+        </p:nvSpPr>
+        <p:spPr>
+          <a:xfrm>
+            <a:off x="273377" y="310613"/>
+            <a:ext cx="11792932" cy="646331"/>
+          </a:xfrm>
+          <a:prstGeom prst="rect">
+            <a:avLst/>
+          </a:prstGeom>
+          <a:noFill/>
+        </p:spPr>
+        <p:txBody>
+          <a:bodyPr wrap="square">
+            <a:spAutoFit/>
+          </a:bodyPr>
+          <a:lstStyle/>
+          <a:p>
+            <a:r>
+              <a:rPr lang="az-Latn-AZ"/>
+              <a:t> Nəticə</a:t>
+            </a:r>
+          </a:p>
+          <a:p>
+            <a:endParaRPr lang="en-US"/>
+          </a:p>
+        </p:txBody>
+      </p:sp>
+      <p:pic>
+        <p:nvPicPr>
+          <p:cNvPr id="4" name="Picture 3">
+            <a:extLst>
+              <a:ext uri="{FF2B5EF4-FFF2-40B4-BE49-F238E27FC236}">
+                <a16:creationId xmlns:a16="http://schemas.microsoft.com/office/drawing/2014/main" id="{7C7B0087-0D6E-E4E8-3E36-5EAB09387D88}"/>
+              </a:ext>
+            </a:extLst>
+          </p:cNvPr>
+          <p:cNvPicPr>
+            <a:picLocks noChangeAspect="1"/>
+          </p:cNvPicPr>
+          <p:nvPr/>
+        </p:nvPicPr>
+        <p:blipFill>
+          <a:blip r:embed="rId2"/>
+          <a:stretch>
+            <a:fillRect/>
+          </a:stretch>
+        </p:blipFill>
+        <p:spPr>
+          <a:xfrm>
+            <a:off x="8467205" y="1999572"/>
+            <a:ext cx="3724795" cy="4858428"/>
+          </a:xfrm>
+          <a:prstGeom prst="rect">
+            <a:avLst/>
+          </a:prstGeom>
+        </p:spPr>
+      </p:pic>
+    </p:spTree>
+    <p:extLst>
+      <p:ext uri="{BB962C8B-B14F-4D97-AF65-F5344CB8AC3E}">
+        <p14:creationId xmlns:p14="http://schemas.microsoft.com/office/powerpoint/2010/main" val="1267620570"/>
+      </p:ext>
+    </p:extLst>
+  </p:cSld>
+  <p:clrMapOvr>
+    <a:masterClrMapping/>
+  </p:clrMapOvr>
+</p:sld>
+</file>
+
+<file path=ppt/slides/slide14.xml><?xml version="1.0" encoding="utf-8"?>
+<p:sld xmlns:a="http://schemas.openxmlformats.org/drawingml/2006/main" xmlns:r="http://schemas.openxmlformats.org/officeDocument/2006/relationships" xmlns:p="http://schemas.openxmlformats.org/presentationml/2006/main">
+  <p:cSld>
+    <p:spTree>
+      <p:nvGrpSpPr>
+        <p:cNvPr id="1" name="">
+          <a:extLst>
+            <a:ext uri="{FF2B5EF4-FFF2-40B4-BE49-F238E27FC236}">
+              <a16:creationId xmlns:a16="http://schemas.microsoft.com/office/drawing/2014/main" id="{B3E82AA8-AB35-8EFB-25D2-B137EA78DB45}"/>
+            </a:ext>
+          </a:extLst>
+        </p:cNvPr>
+        <p:cNvGrpSpPr/>
+        <p:nvPr/>
+      </p:nvGrpSpPr>
+      <p:grpSpPr>
+        <a:xfrm>
+          <a:off x="0" y="0"/>
+          <a:ext cx="0" cy="0"/>
+          <a:chOff x="0" y="0"/>
+          <a:chExt cx="0" cy="0"/>
+        </a:xfrm>
+      </p:grpSpPr>
+      <p:sp>
+        <p:nvSpPr>
+          <p:cNvPr id="2" name="TextBox 1">
+            <a:extLst>
+              <a:ext uri="{FF2B5EF4-FFF2-40B4-BE49-F238E27FC236}">
+                <a16:creationId xmlns:a16="http://schemas.microsoft.com/office/drawing/2014/main" id="{81436E78-C987-200E-7C2F-24A3711AD28D}"/>
+              </a:ext>
+            </a:extLst>
+          </p:cNvPr>
+          <p:cNvSpPr txBox="1"/>
+          <p:nvPr/>
+        </p:nvSpPr>
+        <p:spPr>
+          <a:xfrm>
+            <a:off x="199534" y="219784"/>
+            <a:ext cx="11792932" cy="369332"/>
+          </a:xfrm>
+          <a:prstGeom prst="rect">
+            <a:avLst/>
+          </a:prstGeom>
+          <a:noFill/>
+        </p:spPr>
+        <p:txBody>
+          <a:bodyPr wrap="square">
+            <a:spAutoFit/>
+          </a:bodyPr>
+          <a:lstStyle/>
+          <a:p>
+            <a:r>
+              <a:rPr lang="az-Latn-AZ" b="1"/>
+              <a:t>E</a:t>
+            </a:r>
+            <a:r>
+              <a:rPr lang="en-US" b="1"/>
+              <a:t>yni adlı sütunlar</a:t>
+            </a:r>
+            <a:r>
+              <a:rPr lang="az-Latn-AZ" b="1"/>
+              <a:t>ın </a:t>
+            </a:r>
+            <a:r>
+              <a:rPr lang="en-US"/>
+              <a:t>toqquş</a:t>
+            </a:r>
+            <a:r>
+              <a:rPr lang="az-Latn-AZ"/>
+              <a:t>masını </a:t>
+            </a:r>
+            <a:r>
+              <a:rPr lang="az-Latn-AZ" b="1"/>
+              <a:t>test</a:t>
+            </a:r>
+            <a:r>
+              <a:rPr lang="az-Latn-AZ"/>
+              <a:t> etmək üçün, </a:t>
+            </a:r>
+            <a:r>
+              <a:rPr lang="az-Latn-AZ" b="1"/>
+              <a:t>manul</a:t>
+            </a:r>
+            <a:r>
+              <a:rPr lang="az-Latn-AZ"/>
+              <a:t> olaraq vaxt əlavə edirəm sütunlara.</a:t>
+            </a:r>
+            <a:endParaRPr lang="en-US"/>
+          </a:p>
+        </p:txBody>
+      </p:sp>
+      <p:pic>
+        <p:nvPicPr>
+          <p:cNvPr id="4" name="Picture 3">
+            <a:extLst>
+              <a:ext uri="{FF2B5EF4-FFF2-40B4-BE49-F238E27FC236}">
+                <a16:creationId xmlns:a16="http://schemas.microsoft.com/office/drawing/2014/main" id="{34FF3EB8-8B8C-9EBB-1BE8-5517847EB89A}"/>
+              </a:ext>
+            </a:extLst>
+          </p:cNvPr>
+          <p:cNvPicPr>
+            <a:picLocks noChangeAspect="1"/>
+          </p:cNvPicPr>
+          <p:nvPr/>
+        </p:nvPicPr>
+        <p:blipFill>
+          <a:blip r:embed="rId2"/>
+          <a:stretch>
+            <a:fillRect/>
+          </a:stretch>
+        </p:blipFill>
+        <p:spPr>
+          <a:xfrm>
+            <a:off x="0" y="735231"/>
+            <a:ext cx="12192000" cy="2898862"/>
+          </a:xfrm>
+          <a:prstGeom prst="rect">
+            <a:avLst/>
+          </a:prstGeom>
+          <a:ln w="38100" cap="sq">
+            <a:solidFill>
+              <a:srgbClr val="000000"/>
+            </a:solidFill>
+            <a:prstDash val="solid"/>
+            <a:miter lim="800000"/>
+          </a:ln>
+          <a:effectLst>
+            <a:outerShdw blurRad="50800" dist="38100" dir="2700000" algn="tl" rotWithShape="0">
+              <a:srgbClr val="000000">
+                <a:alpha val="43000"/>
+              </a:srgbClr>
+            </a:outerShdw>
+          </a:effectLst>
+        </p:spPr>
+      </p:pic>
+      <p:pic>
+        <p:nvPicPr>
+          <p:cNvPr id="6" name="Picture 5">
+            <a:extLst>
+              <a:ext uri="{FF2B5EF4-FFF2-40B4-BE49-F238E27FC236}">
+                <a16:creationId xmlns:a16="http://schemas.microsoft.com/office/drawing/2014/main" id="{98233DAD-641E-F70B-712A-0F16E9FCAA70}"/>
+              </a:ext>
+            </a:extLst>
+          </p:cNvPr>
+          <p:cNvPicPr>
+            <a:picLocks noChangeAspect="1"/>
+          </p:cNvPicPr>
+          <p:nvPr/>
+        </p:nvPicPr>
+        <p:blipFill>
+          <a:blip r:embed="rId3"/>
+          <a:stretch>
+            <a:fillRect/>
+          </a:stretch>
+        </p:blipFill>
+        <p:spPr>
+          <a:xfrm>
+            <a:off x="0" y="3926324"/>
+            <a:ext cx="12192000" cy="2901529"/>
+          </a:xfrm>
+          <a:prstGeom prst="rect">
+            <a:avLst/>
+          </a:prstGeom>
+          <a:ln w="38100" cap="sq">
+            <a:solidFill>
+              <a:srgbClr val="000000"/>
+            </a:solidFill>
+            <a:prstDash val="solid"/>
+            <a:miter lim="800000"/>
+          </a:ln>
+          <a:effectLst>
+            <a:outerShdw blurRad="50800" dist="38100" dir="2700000" algn="tl" rotWithShape="0">
+              <a:srgbClr val="000000">
+                <a:alpha val="43000"/>
+              </a:srgbClr>
+            </a:outerShdw>
+          </a:effectLst>
+        </p:spPr>
+      </p:pic>
+    </p:spTree>
+    <p:extLst>
+      <p:ext uri="{BB962C8B-B14F-4D97-AF65-F5344CB8AC3E}">
+        <p14:creationId xmlns:p14="http://schemas.microsoft.com/office/powerpoint/2010/main" val="451060895"/>
+      </p:ext>
+    </p:extLst>
+  </p:cSld>
+  <p:clrMapOvr>
+    <a:masterClrMapping/>
+  </p:clrMapOvr>
+</p:sld>
+</file>
+
+<file path=ppt/slides/slide15.xml><?xml version="1.0" encoding="utf-8"?>
+<p:sld xmlns:a="http://schemas.openxmlformats.org/drawingml/2006/main" xmlns:r="http://schemas.openxmlformats.org/officeDocument/2006/relationships" xmlns:p="http://schemas.openxmlformats.org/presentationml/2006/main">
+  <p:cSld>
+    <p:spTree>
+      <p:nvGrpSpPr>
+        <p:cNvPr id="1" name="">
+          <a:extLst>
+            <a:ext uri="{FF2B5EF4-FFF2-40B4-BE49-F238E27FC236}">
+              <a16:creationId xmlns:a16="http://schemas.microsoft.com/office/drawing/2014/main" id="{7528CC88-1BAA-1C7B-0509-FF070ABC61F0}"/>
+            </a:ext>
+          </a:extLst>
+        </p:cNvPr>
+        <p:cNvGrpSpPr/>
+        <p:nvPr/>
+      </p:nvGrpSpPr>
+      <p:grpSpPr>
+        <a:xfrm>
+          <a:off x="0" y="0"/>
+          <a:ext cx="0" cy="0"/>
+          <a:chOff x="0" y="0"/>
+          <a:chExt cx="0" cy="0"/>
+        </a:xfrm>
+      </p:grpSpPr>
+      <p:sp>
+        <p:nvSpPr>
+          <p:cNvPr id="2" name="TextBox 1">
+            <a:extLst>
+              <a:ext uri="{FF2B5EF4-FFF2-40B4-BE49-F238E27FC236}">
+                <a16:creationId xmlns:a16="http://schemas.microsoft.com/office/drawing/2014/main" id="{9F863240-5FFB-60A6-AC80-786E829A133C}"/>
+              </a:ext>
+            </a:extLst>
+          </p:cNvPr>
+          <p:cNvSpPr txBox="1"/>
+          <p:nvPr/>
+        </p:nvSpPr>
+        <p:spPr>
+          <a:xfrm>
+            <a:off x="273377" y="310613"/>
+            <a:ext cx="11792932" cy="646331"/>
+          </a:xfrm>
+          <a:prstGeom prst="rect">
+            <a:avLst/>
+          </a:prstGeom>
+          <a:noFill/>
+        </p:spPr>
+        <p:txBody>
+          <a:bodyPr wrap="square">
+            <a:spAutoFit/>
+          </a:bodyPr>
+          <a:lstStyle/>
+          <a:p>
+            <a:r>
+              <a:rPr lang="az-Latn-AZ"/>
+              <a:t>Sonra SELECT olmadan təkrar işə salırıq kodu. </a:t>
+            </a:r>
+          </a:p>
+          <a:p>
+            <a:endParaRPr lang="en-US"/>
+          </a:p>
+        </p:txBody>
+      </p:sp>
+      <p:pic>
+        <p:nvPicPr>
+          <p:cNvPr id="3" name="Picture 2">
+            <a:extLst>
+              <a:ext uri="{FF2B5EF4-FFF2-40B4-BE49-F238E27FC236}">
+                <a16:creationId xmlns:a16="http://schemas.microsoft.com/office/drawing/2014/main" id="{886E2632-51DB-B56F-A44B-7FAA04959A4E}"/>
+              </a:ext>
+            </a:extLst>
+          </p:cNvPr>
+          <p:cNvPicPr>
+            <a:picLocks noChangeAspect="1"/>
+          </p:cNvPicPr>
+          <p:nvPr/>
+        </p:nvPicPr>
+        <p:blipFill>
+          <a:blip r:embed="rId2"/>
+          <a:stretch>
+            <a:fillRect/>
+          </a:stretch>
+        </p:blipFill>
+        <p:spPr>
+          <a:xfrm>
+            <a:off x="3646882" y="3342784"/>
+            <a:ext cx="8545118" cy="3515216"/>
+          </a:xfrm>
+          <a:prstGeom prst="rect">
+            <a:avLst/>
+          </a:prstGeom>
+        </p:spPr>
+      </p:pic>
+    </p:spTree>
+    <p:extLst>
+      <p:ext uri="{BB962C8B-B14F-4D97-AF65-F5344CB8AC3E}">
+        <p14:creationId xmlns:p14="http://schemas.microsoft.com/office/powerpoint/2010/main" val="1550797014"/>
+      </p:ext>
+    </p:extLst>
+  </p:cSld>
+  <p:clrMapOvr>
+    <a:masterClrMapping/>
+  </p:clrMapOvr>
+</p:sld>
+</file>
+
+<file path=ppt/slides/slide16.xml><?xml version="1.0" encoding="utf-8"?>
+<p:sld xmlns:a="http://schemas.openxmlformats.org/drawingml/2006/main" xmlns:r="http://schemas.openxmlformats.org/officeDocument/2006/relationships" xmlns:p="http://schemas.openxmlformats.org/presentationml/2006/main">
+  <p:cSld>
+    <p:spTree>
+      <p:nvGrpSpPr>
+        <p:cNvPr id="1" name="">
+          <a:extLst>
+            <a:ext uri="{FF2B5EF4-FFF2-40B4-BE49-F238E27FC236}">
+              <a16:creationId xmlns:a16="http://schemas.microsoft.com/office/drawing/2014/main" id="{4995880F-CEDD-4C97-3638-0DDED823B8D8}"/>
+            </a:ext>
+          </a:extLst>
+        </p:cNvPr>
+        <p:cNvGrpSpPr/>
+        <p:nvPr/>
+      </p:nvGrpSpPr>
+      <p:grpSpPr>
+        <a:xfrm>
+          <a:off x="0" y="0"/>
+          <a:ext cx="0" cy="0"/>
+          <a:chOff x="0" y="0"/>
+          <a:chExt cx="0" cy="0"/>
+        </a:xfrm>
+      </p:grpSpPr>
+      <p:sp>
+        <p:nvSpPr>
+          <p:cNvPr id="2" name="TextBox 1">
+            <a:extLst>
+              <a:ext uri="{FF2B5EF4-FFF2-40B4-BE49-F238E27FC236}">
+                <a16:creationId xmlns:a16="http://schemas.microsoft.com/office/drawing/2014/main" id="{61978E00-94D3-BFB5-6F5F-34A1D4D45838}"/>
+              </a:ext>
+            </a:extLst>
+          </p:cNvPr>
+          <p:cNvSpPr txBox="1"/>
+          <p:nvPr/>
+        </p:nvSpPr>
+        <p:spPr>
+          <a:xfrm>
+            <a:off x="273377" y="310613"/>
+            <a:ext cx="8107052" cy="923330"/>
+          </a:xfrm>
+          <a:prstGeom prst="rect">
+            <a:avLst/>
+          </a:prstGeom>
+          <a:noFill/>
+        </p:spPr>
+        <p:txBody>
+          <a:bodyPr wrap="square">
+            <a:spAutoFit/>
+          </a:bodyPr>
+          <a:lstStyle/>
+          <a:p>
+            <a:r>
+              <a:rPr lang="az-Latn-AZ"/>
+              <a:t>Nəticədə isə, </a:t>
+            </a:r>
+            <a:r>
+              <a:rPr lang="az-Latn-AZ" b="1"/>
+              <a:t>categories</a:t>
+            </a:r>
+            <a:r>
+              <a:rPr lang="az-Latn-AZ"/>
+              <a:t> cədvəli əsas olduğu üçün onun </a:t>
+            </a:r>
+            <a:r>
+              <a:rPr lang="az-Latn-AZ" b="1"/>
+              <a:t>created_at </a:t>
+            </a:r>
+            <a:r>
+              <a:rPr lang="az-Latn-AZ"/>
+              <a:t>sütunun olan dəyər, </a:t>
+            </a:r>
+            <a:r>
+              <a:rPr lang="az-Latn-AZ" b="1"/>
+              <a:t>posts</a:t>
+            </a:r>
+            <a:r>
+              <a:rPr lang="az-Latn-AZ"/>
+              <a:t> cədvəlindəki </a:t>
+            </a:r>
+            <a:r>
+              <a:rPr lang="az-Latn-AZ" b="1"/>
+              <a:t>created_at</a:t>
+            </a:r>
+            <a:r>
+              <a:rPr lang="az-Latn-AZ"/>
+              <a:t> sütununu əvəzlədi.</a:t>
+            </a:r>
+          </a:p>
+          <a:p>
+            <a:endParaRPr lang="en-US"/>
+          </a:p>
+        </p:txBody>
+      </p:sp>
+      <p:pic>
+        <p:nvPicPr>
+          <p:cNvPr id="4" name="Picture 3">
+            <a:extLst>
+              <a:ext uri="{FF2B5EF4-FFF2-40B4-BE49-F238E27FC236}">
+                <a16:creationId xmlns:a16="http://schemas.microsoft.com/office/drawing/2014/main" id="{CC7D3A43-A29D-E520-2EF4-D89EA27D8797}"/>
+              </a:ext>
+            </a:extLst>
+          </p:cNvPr>
+          <p:cNvPicPr>
+            <a:picLocks noChangeAspect="1"/>
+          </p:cNvPicPr>
+          <p:nvPr/>
+        </p:nvPicPr>
+        <p:blipFill>
+          <a:blip r:embed="rId2"/>
+          <a:stretch>
+            <a:fillRect/>
+          </a:stretch>
+        </p:blipFill>
+        <p:spPr>
+          <a:xfrm>
+            <a:off x="8576553" y="0"/>
+            <a:ext cx="3615447" cy="6858000"/>
+          </a:xfrm>
+          <a:prstGeom prst="rect">
+            <a:avLst/>
+          </a:prstGeom>
+        </p:spPr>
+      </p:pic>
+    </p:spTree>
+    <p:extLst>
+      <p:ext uri="{BB962C8B-B14F-4D97-AF65-F5344CB8AC3E}">
+        <p14:creationId xmlns:p14="http://schemas.microsoft.com/office/powerpoint/2010/main" val="2685306952"/>
+      </p:ext>
+    </p:extLst>
+  </p:cSld>
+  <p:clrMapOvr>
+    <a:masterClrMapping/>
+  </p:clrMapOvr>
+</p:sld>
+</file>
+
+<file path=ppt/slides/slide17.xml><?xml version="1.0" encoding="utf-8"?>
+<p:sld xmlns:a="http://schemas.openxmlformats.org/drawingml/2006/main" xmlns:r="http://schemas.openxmlformats.org/officeDocument/2006/relationships" xmlns:p="http://schemas.openxmlformats.org/presentationml/2006/main">
+  <p:cSld>
+    <p:spTree>
+      <p:nvGrpSpPr>
+        <p:cNvPr id="1" name="">
+          <a:extLst>
+            <a:ext uri="{FF2B5EF4-FFF2-40B4-BE49-F238E27FC236}">
+              <a16:creationId xmlns:a16="http://schemas.microsoft.com/office/drawing/2014/main" id="{75B1862D-726C-BB99-0B28-29CD663B3BFE}"/>
+            </a:ext>
+          </a:extLst>
+        </p:cNvPr>
+        <p:cNvGrpSpPr/>
+        <p:nvPr/>
+      </p:nvGrpSpPr>
+      <p:grpSpPr>
+        <a:xfrm>
+          <a:off x="0" y="0"/>
+          <a:ext cx="0" cy="0"/>
+          <a:chOff x="0" y="0"/>
+          <a:chExt cx="0" cy="0"/>
+        </a:xfrm>
+      </p:grpSpPr>
+      <p:sp>
+        <p:nvSpPr>
+          <p:cNvPr id="2" name="TextBox 1">
+            <a:extLst>
+              <a:ext uri="{FF2B5EF4-FFF2-40B4-BE49-F238E27FC236}">
+                <a16:creationId xmlns:a16="http://schemas.microsoft.com/office/drawing/2014/main" id="{C85DF8E8-9CF6-037E-0524-7CBFF54BDF1C}"/>
+              </a:ext>
+            </a:extLst>
+          </p:cNvPr>
+          <p:cNvSpPr txBox="1"/>
+          <p:nvPr/>
+        </p:nvSpPr>
+        <p:spPr>
+          <a:xfrm>
+            <a:off x="273377" y="310613"/>
+            <a:ext cx="11792932" cy="369332"/>
+          </a:xfrm>
+          <a:prstGeom prst="rect">
+            <a:avLst/>
+          </a:prstGeom>
+          <a:noFill/>
+        </p:spPr>
+        <p:txBody>
+          <a:bodyPr wrap="square">
+            <a:spAutoFit/>
+          </a:bodyPr>
+          <a:lstStyle/>
+          <a:p>
+            <a:r>
+              <a:rPr lang="en-US"/>
+              <a:t>JOIN növləri (SQL və Laravel-də)</a:t>
+            </a:r>
+          </a:p>
+        </p:txBody>
+      </p:sp>
+      <p:pic>
+        <p:nvPicPr>
+          <p:cNvPr id="4" name="Picture 3">
+            <a:extLst>
+              <a:ext uri="{FF2B5EF4-FFF2-40B4-BE49-F238E27FC236}">
+                <a16:creationId xmlns:a16="http://schemas.microsoft.com/office/drawing/2014/main" id="{6361AE27-E0CD-A400-DCA8-55AF90F6AC82}"/>
+              </a:ext>
+            </a:extLst>
+          </p:cNvPr>
+          <p:cNvPicPr>
+            <a:picLocks noChangeAspect="1"/>
+          </p:cNvPicPr>
+          <p:nvPr/>
+        </p:nvPicPr>
+        <p:blipFill>
+          <a:blip r:embed="rId2"/>
+          <a:stretch>
+            <a:fillRect/>
+          </a:stretch>
+        </p:blipFill>
+        <p:spPr>
+          <a:xfrm>
+            <a:off x="273377" y="1347710"/>
+            <a:ext cx="9354856" cy="3219899"/>
+          </a:xfrm>
+          <a:prstGeom prst="rect">
+            <a:avLst/>
+          </a:prstGeom>
+          <a:ln w="38100" cap="sq">
+            <a:solidFill>
+              <a:srgbClr val="000000"/>
+            </a:solidFill>
+            <a:prstDash val="solid"/>
+            <a:miter lim="800000"/>
+          </a:ln>
+          <a:effectLst>
+            <a:outerShdw blurRad="50800" dist="38100" dir="2700000" algn="tl" rotWithShape="0">
+              <a:srgbClr val="000000">
+                <a:alpha val="43000"/>
+              </a:srgbClr>
+            </a:outerShdw>
+          </a:effectLst>
+        </p:spPr>
+      </p:pic>
+    </p:spTree>
+    <p:extLst>
+      <p:ext uri="{BB962C8B-B14F-4D97-AF65-F5344CB8AC3E}">
+        <p14:creationId xmlns:p14="http://schemas.microsoft.com/office/powerpoint/2010/main" val="3089255574"/>
+      </p:ext>
+    </p:extLst>
+  </p:cSld>
+  <p:clrMapOvr>
+    <a:masterClrMapping/>
+  </p:clrMapOvr>
+</p:sld>
+</file>
+
+<file path=ppt/slides/slide18.xml><?xml version="1.0" encoding="utf-8"?>
+<p:sld xmlns:a="http://schemas.openxmlformats.org/drawingml/2006/main" xmlns:r="http://schemas.openxmlformats.org/officeDocument/2006/relationships" xmlns:p="http://schemas.openxmlformats.org/presentationml/2006/main">
+  <p:cSld>
+    <p:spTree>
+      <p:nvGrpSpPr>
+        <p:cNvPr id="1" name="">
+          <a:extLst>
+            <a:ext uri="{FF2B5EF4-FFF2-40B4-BE49-F238E27FC236}">
+              <a16:creationId xmlns:a16="http://schemas.microsoft.com/office/drawing/2014/main" id="{3712B577-2FEC-CD87-77A9-B6B9C8BFECD2}"/>
+            </a:ext>
+          </a:extLst>
+        </p:cNvPr>
+        <p:cNvGrpSpPr/>
+        <p:nvPr/>
+      </p:nvGrpSpPr>
+      <p:grpSpPr>
+        <a:xfrm>
+          <a:off x="0" y="0"/>
+          <a:ext cx="0" cy="0"/>
+          <a:chOff x="0" y="0"/>
+          <a:chExt cx="0" cy="0"/>
+        </a:xfrm>
+      </p:grpSpPr>
+      <p:sp>
+        <p:nvSpPr>
+          <p:cNvPr id="2" name="TextBox 1">
+            <a:extLst>
+              <a:ext uri="{FF2B5EF4-FFF2-40B4-BE49-F238E27FC236}">
+                <a16:creationId xmlns:a16="http://schemas.microsoft.com/office/drawing/2014/main" id="{3BABD372-ECFE-ACF0-19A1-957BA4D230CF}"/>
+              </a:ext>
+            </a:extLst>
+          </p:cNvPr>
+          <p:cNvSpPr txBox="1"/>
+          <p:nvPr/>
+        </p:nvSpPr>
+        <p:spPr>
+          <a:xfrm>
+            <a:off x="273377" y="310613"/>
+            <a:ext cx="11792932" cy="1200329"/>
+          </a:xfrm>
+          <a:prstGeom prst="rect">
+            <a:avLst/>
+          </a:prstGeom>
+          <a:noFill/>
+        </p:spPr>
+        <p:txBody>
+          <a:bodyPr wrap="square">
+            <a:spAutoFit/>
+          </a:bodyPr>
+          <a:lstStyle/>
+          <a:p>
+            <a:r>
+              <a:rPr lang="en-US"/>
+              <a:t>🔒 JOIN ilə </a:t>
+            </a:r>
+            <a:r>
+              <a:rPr lang="en-US" b="1">
+                <a:solidFill>
+                  <a:srgbClr val="0070C0"/>
+                </a:solidFill>
+              </a:rPr>
+              <a:t>SQL Injection </a:t>
+            </a:r>
+            <a:r>
+              <a:rPr lang="en-US"/>
+              <a:t>təhlükəsi varmı?</a:t>
+            </a:r>
+            <a:endParaRPr lang="az-Latn-AZ"/>
+          </a:p>
+          <a:p>
+            <a:endParaRPr lang="en-US"/>
+          </a:p>
+          <a:p>
+            <a:r>
+              <a:rPr lang="en-US"/>
+              <a:t>Yox. Laravel join() daxilində istifadə olunan dəyərləri PDO parametrləri ilə qoruyur. Amma </a:t>
+            </a:r>
+            <a:r>
+              <a:rPr lang="en-US" b="1">
+                <a:solidFill>
+                  <a:srgbClr val="FF0000"/>
+                </a:solidFill>
+              </a:rPr>
+              <a:t>dinamik</a:t>
+            </a:r>
+            <a:r>
+              <a:rPr lang="en-US"/>
+              <a:t> sütun adı daxil etməyə çalışsan, özün təhlükəsizlik yoxlaması etməlisən:</a:t>
+            </a:r>
+          </a:p>
+        </p:txBody>
+      </p:sp>
+      <p:pic>
+        <p:nvPicPr>
+          <p:cNvPr id="5" name="Picture 4">
+            <a:extLst>
+              <a:ext uri="{FF2B5EF4-FFF2-40B4-BE49-F238E27FC236}">
+                <a16:creationId xmlns:a16="http://schemas.microsoft.com/office/drawing/2014/main" id="{D0A4260C-8569-67C9-0E6E-43935784A3E4}"/>
+              </a:ext>
+            </a:extLst>
+          </p:cNvPr>
+          <p:cNvPicPr>
+            <a:picLocks noChangeAspect="1"/>
+          </p:cNvPicPr>
+          <p:nvPr/>
+        </p:nvPicPr>
+        <p:blipFill>
+          <a:blip r:embed="rId2"/>
+          <a:stretch>
+            <a:fillRect/>
+          </a:stretch>
+        </p:blipFill>
+        <p:spPr>
+          <a:xfrm>
+            <a:off x="273377" y="1898275"/>
+            <a:ext cx="7278116" cy="685896"/>
+          </a:xfrm>
+          <a:prstGeom prst="rect">
+            <a:avLst/>
+          </a:prstGeom>
+        </p:spPr>
+      </p:pic>
+    </p:spTree>
+    <p:extLst>
+      <p:ext uri="{BB962C8B-B14F-4D97-AF65-F5344CB8AC3E}">
+        <p14:creationId xmlns:p14="http://schemas.microsoft.com/office/powerpoint/2010/main" val="684564775"/>
+      </p:ext>
+    </p:extLst>
+  </p:cSld>
+  <p:clrMapOvr>
+    <a:masterClrMapping/>
+  </p:clrMapOvr>
+</p:sld>
+</file>
+
+<file path=ppt/slides/slide19.xml><?xml version="1.0" encoding="utf-8"?>
+<p:sld xmlns:a="http://schemas.openxmlformats.org/drawingml/2006/main" xmlns:r="http://schemas.openxmlformats.org/officeDocument/2006/relationships" xmlns:p="http://schemas.openxmlformats.org/presentationml/2006/main">
+  <p:cSld>
+    <p:spTree>
+      <p:nvGrpSpPr>
+        <p:cNvPr id="1" name="">
+          <a:extLst>
+            <a:ext uri="{FF2B5EF4-FFF2-40B4-BE49-F238E27FC236}">
+              <a16:creationId xmlns:a16="http://schemas.microsoft.com/office/drawing/2014/main" id="{52078D81-A088-3D14-B846-4A0967B0A117}"/>
+            </a:ext>
+          </a:extLst>
+        </p:cNvPr>
+        <p:cNvGrpSpPr/>
+        <p:nvPr/>
+      </p:nvGrpSpPr>
+      <p:grpSpPr>
+        <a:xfrm>
+          <a:off x="0" y="0"/>
+          <a:ext cx="0" cy="0"/>
+          <a:chOff x="0" y="0"/>
+          <a:chExt cx="0" cy="0"/>
+        </a:xfrm>
+      </p:grpSpPr>
+      <p:sp>
+        <p:nvSpPr>
+          <p:cNvPr id="2" name="TextBox 1">
+            <a:extLst>
+              <a:ext uri="{FF2B5EF4-FFF2-40B4-BE49-F238E27FC236}">
+                <a16:creationId xmlns:a16="http://schemas.microsoft.com/office/drawing/2014/main" id="{F002F6E2-E7C7-F01F-8FDF-E63CDF75AA83}"/>
+              </a:ext>
+            </a:extLst>
+          </p:cNvPr>
+          <p:cNvSpPr txBox="1"/>
+          <p:nvPr/>
+        </p:nvSpPr>
+        <p:spPr>
+          <a:xfrm>
+            <a:off x="273377" y="310613"/>
+            <a:ext cx="11792932" cy="646331"/>
+          </a:xfrm>
+          <a:prstGeom prst="rect">
+            <a:avLst/>
+          </a:prstGeom>
+          <a:noFill/>
+        </p:spPr>
+        <p:txBody>
+          <a:bodyPr wrap="square">
+            <a:spAutoFit/>
+          </a:bodyPr>
+          <a:lstStyle/>
+          <a:p>
+            <a:r>
+              <a:rPr lang="en-US"/>
+              <a:t>.</a:t>
+            </a:r>
+            <a:endParaRPr lang="az-Latn-AZ"/>
+          </a:p>
+          <a:p>
+            <a:endParaRPr lang="en-US"/>
+          </a:p>
+        </p:txBody>
+      </p:sp>
+    </p:spTree>
+    <p:extLst>
+      <p:ext uri="{BB962C8B-B14F-4D97-AF65-F5344CB8AC3E}">
+        <p14:creationId xmlns:p14="http://schemas.microsoft.com/office/powerpoint/2010/main" val="3875404346"/>
       </p:ext>
     </p:extLst>
   </p:cSld>
@@ -3436,8 +5228,8 @@
         </p:nvSpPr>
         <p:spPr>
           <a:xfrm>
-            <a:off x="217714" y="255046"/>
-            <a:ext cx="11756571" cy="355354"/>
+            <a:off x="217715" y="255046"/>
+            <a:ext cx="6390476" cy="655436"/>
           </a:xfrm>
           <a:prstGeom prst="rect">
             <a:avLst/>
@@ -3457,21 +5249,126 @@
               <a:buNone/>
             </a:pPr>
             <a:r>
-              <a:rPr kumimoji="0" lang="en-US" altLang="en-US" sz="1300" b="0" i="0" u="none" strike="noStrike" cap="none" normalizeH="0" baseline="0">
-                <a:ln>
-                  <a:noFill/>
-                </a:ln>
-                <a:solidFill>
-                  <a:schemeClr val="tx1"/>
-                </a:solidFill>
-                <a:effectLst/>
+              <a:rPr lang="az-Latn-AZ" altLang="en-US" sz="1300">
                 <a:latin typeface="Arial" panose="020B0604020202020204" pitchFamily="34" charset="0"/>
               </a:rPr>
-              <a:t>.</a:t>
-            </a:r>
-          </a:p>
-        </p:txBody>
-      </p:sp>
+              <a:t>Sonra </a:t>
+            </a:r>
+            <a:r>
+              <a:rPr lang="az-Latn-AZ" altLang="en-US" sz="1300" b="1">
+                <a:latin typeface="Arial" panose="020B0604020202020204" pitchFamily="34" charset="0"/>
+              </a:rPr>
+              <a:t>DB</a:t>
+            </a:r>
+            <a:r>
+              <a:rPr lang="az-Latn-AZ" altLang="en-US" sz="1300">
+                <a:latin typeface="Arial" panose="020B0604020202020204" pitchFamily="34" charset="0"/>
+              </a:rPr>
+              <a:t> -də olan </a:t>
+            </a:r>
+            <a:r>
+              <a:rPr lang="az-Latn-AZ" altLang="en-US" sz="1300" b="1">
+                <a:solidFill>
+                  <a:srgbClr val="0070C0"/>
+                </a:solidFill>
+                <a:latin typeface="Arial" panose="020B0604020202020204" pitchFamily="34" charset="0"/>
+              </a:rPr>
+              <a:t>POSTS</a:t>
+            </a:r>
+            <a:r>
+              <a:rPr lang="az-Latn-AZ" altLang="en-US" sz="1300">
+                <a:latin typeface="Arial" panose="020B0604020202020204" pitchFamily="34" charset="0"/>
+              </a:rPr>
+              <a:t> və </a:t>
+            </a:r>
+            <a:r>
+              <a:rPr lang="az-Latn-AZ" altLang="en-US" sz="1300" b="1">
+                <a:solidFill>
+                  <a:srgbClr val="0070C0"/>
+                </a:solidFill>
+                <a:latin typeface="Arial" panose="020B0604020202020204" pitchFamily="34" charset="0"/>
+              </a:rPr>
+              <a:t>CATEGORİES</a:t>
+            </a:r>
+            <a:r>
+              <a:rPr lang="az-Latn-AZ" altLang="en-US" sz="1300">
+                <a:latin typeface="Arial" panose="020B0604020202020204" pitchFamily="34" charset="0"/>
+              </a:rPr>
+              <a:t> cədvəllərini növbəti məlumatlar ilə doldururuq. </a:t>
+            </a:r>
+            <a:endParaRPr kumimoji="0" lang="en-US" altLang="en-US" sz="1300" b="0" i="0" u="none" strike="noStrike" cap="none" normalizeH="0" baseline="0">
+              <a:ln>
+                <a:noFill/>
+              </a:ln>
+              <a:solidFill>
+                <a:schemeClr val="tx1"/>
+              </a:solidFill>
+              <a:effectLst/>
+              <a:latin typeface="Arial" panose="020B0604020202020204" pitchFamily="34" charset="0"/>
+            </a:endParaRPr>
+          </a:p>
+        </p:txBody>
+      </p:sp>
+      <p:pic>
+        <p:nvPicPr>
+          <p:cNvPr id="4" name="Picture 3">
+            <a:extLst>
+              <a:ext uri="{FF2B5EF4-FFF2-40B4-BE49-F238E27FC236}">
+                <a16:creationId xmlns:a16="http://schemas.microsoft.com/office/drawing/2014/main" id="{0B9C339C-D94F-1FE2-1BA7-7760B1EC4E56}"/>
+              </a:ext>
+            </a:extLst>
+          </p:cNvPr>
+          <p:cNvPicPr>
+            <a:picLocks noChangeAspect="1"/>
+          </p:cNvPicPr>
+          <p:nvPr/>
+        </p:nvPicPr>
+        <p:blipFill>
+          <a:blip r:embed="rId2"/>
+          <a:stretch>
+            <a:fillRect/>
+          </a:stretch>
+        </p:blipFill>
+        <p:spPr>
+          <a:xfrm>
+            <a:off x="0" y="1799519"/>
+            <a:ext cx="4305901" cy="5058481"/>
+          </a:xfrm>
+          <a:prstGeom prst="rect">
+            <a:avLst/>
+          </a:prstGeom>
+        </p:spPr>
+      </p:pic>
+      <p:pic>
+        <p:nvPicPr>
+          <p:cNvPr id="8" name="Picture 7">
+            <a:extLst>
+              <a:ext uri="{FF2B5EF4-FFF2-40B4-BE49-F238E27FC236}">
+                <a16:creationId xmlns:a16="http://schemas.microsoft.com/office/drawing/2014/main" id="{B3D986DA-07BC-3AF8-7486-ECB3CA5D1ACD}"/>
+              </a:ext>
+            </a:extLst>
+          </p:cNvPr>
+          <p:cNvPicPr>
+            <a:picLocks noChangeAspect="1"/>
+          </p:cNvPicPr>
+          <p:nvPr/>
+        </p:nvPicPr>
+        <p:blipFill>
+          <a:blip r:embed="rId3"/>
+          <a:stretch>
+            <a:fillRect/>
+          </a:stretch>
+        </p:blipFill>
+        <p:spPr>
+          <a:xfrm>
+            <a:off x="6824495" y="0"/>
+            <a:ext cx="5367505" cy="6858000"/>
+          </a:xfrm>
+          <a:prstGeom prst="rect">
+            <a:avLst/>
+          </a:prstGeom>
+        </p:spPr>
+      </p:pic>
     </p:spTree>
     <p:extLst>
       <p:ext uri="{BB962C8B-B14F-4D97-AF65-F5344CB8AC3E}">
@@ -3543,21 +5440,90 @@
               <a:buNone/>
             </a:pPr>
             <a:r>
-              <a:rPr kumimoji="0" lang="en-US" altLang="en-US" sz="1300" b="0" i="0" u="none" strike="noStrike" cap="none" normalizeH="0" baseline="0">
-                <a:ln>
-                  <a:noFill/>
-                </a:ln>
-                <a:solidFill>
-                  <a:schemeClr val="tx1"/>
-                </a:solidFill>
-                <a:effectLst/>
+              <a:rPr lang="en-US" altLang="en-US" sz="1300">
                 <a:latin typeface="Arial" panose="020B0604020202020204" pitchFamily="34" charset="0"/>
               </a:rPr>
-              <a:t>.</a:t>
-            </a:r>
-          </a:p>
-        </p:txBody>
-      </p:sp>
+              <a:t>migration -lar</a:t>
+            </a:r>
+            <a:r>
+              <a:rPr lang="az-Latn-AZ" altLang="en-US" sz="1300">
+                <a:latin typeface="Arial" panose="020B0604020202020204" pitchFamily="34" charset="0"/>
+              </a:rPr>
+              <a:t> bu cür görsənir.</a:t>
+            </a:r>
+            <a:endParaRPr kumimoji="0" lang="en-US" altLang="en-US" sz="1300" b="0" i="0" u="none" strike="noStrike" cap="none" normalizeH="0" baseline="0">
+              <a:ln>
+                <a:noFill/>
+              </a:ln>
+              <a:solidFill>
+                <a:schemeClr val="tx1"/>
+              </a:solidFill>
+              <a:effectLst/>
+              <a:latin typeface="Arial" panose="020B0604020202020204" pitchFamily="34" charset="0"/>
+            </a:endParaRPr>
+          </a:p>
+        </p:txBody>
+      </p:sp>
+      <p:pic>
+        <p:nvPicPr>
+          <p:cNvPr id="4" name="Picture 3">
+            <a:extLst>
+              <a:ext uri="{FF2B5EF4-FFF2-40B4-BE49-F238E27FC236}">
+                <a16:creationId xmlns:a16="http://schemas.microsoft.com/office/drawing/2014/main" id="{73688206-6A79-80E4-0153-BE134054C19F}"/>
+              </a:ext>
+            </a:extLst>
+          </p:cNvPr>
+          <p:cNvPicPr>
+            <a:picLocks noChangeAspect="1"/>
+          </p:cNvPicPr>
+          <p:nvPr/>
+        </p:nvPicPr>
+        <p:blipFill>
+          <a:blip r:embed="rId2"/>
+          <a:stretch>
+            <a:fillRect/>
+          </a:stretch>
+        </p:blipFill>
+        <p:spPr>
+          <a:xfrm>
+            <a:off x="6895361" y="761149"/>
+            <a:ext cx="5296639" cy="6096851"/>
+          </a:xfrm>
+          <a:prstGeom prst="rect">
+            <a:avLst/>
+          </a:prstGeom>
+        </p:spPr>
+      </p:pic>
+      <p:pic>
+        <p:nvPicPr>
+          <p:cNvPr id="6" name="Picture 5">
+            <a:extLst>
+              <a:ext uri="{FF2B5EF4-FFF2-40B4-BE49-F238E27FC236}">
+                <a16:creationId xmlns:a16="http://schemas.microsoft.com/office/drawing/2014/main" id="{8D01DDE1-12E2-F036-76E3-80BFECCB4B46}"/>
+              </a:ext>
+            </a:extLst>
+          </p:cNvPr>
+          <p:cNvPicPr>
+            <a:picLocks noChangeAspect="1"/>
+          </p:cNvPicPr>
+          <p:nvPr/>
+        </p:nvPicPr>
+        <p:blipFill>
+          <a:blip r:embed="rId3"/>
+          <a:stretch>
+            <a:fillRect/>
+          </a:stretch>
+        </p:blipFill>
+        <p:spPr>
+          <a:xfrm>
+            <a:off x="0" y="1713782"/>
+            <a:ext cx="5877745" cy="5144218"/>
+          </a:xfrm>
+          <a:prstGeom prst="rect">
+            <a:avLst/>
+          </a:prstGeom>
+        </p:spPr>
+      </p:pic>
     </p:spTree>
     <p:extLst>
       <p:ext uri="{BB962C8B-B14F-4D97-AF65-F5344CB8AC3E}">
@@ -3572,6 +5538,146 @@
 </file>
 
 <file path=ppt/slides/slide4.xml><?xml version="1.0" encoding="utf-8"?>
+<p:sld xmlns:a="http://schemas.openxmlformats.org/drawingml/2006/main" xmlns:r="http://schemas.openxmlformats.org/officeDocument/2006/relationships" xmlns:p="http://schemas.openxmlformats.org/presentationml/2006/main">
+  <p:cSld>
+    <p:spTree>
+      <p:nvGrpSpPr>
+        <p:cNvPr id="1" name="">
+          <a:extLst>
+            <a:ext uri="{FF2B5EF4-FFF2-40B4-BE49-F238E27FC236}">
+              <a16:creationId xmlns:a16="http://schemas.microsoft.com/office/drawing/2014/main" id="{ECE25D7D-A080-F22B-7E8D-36EC827289A1}"/>
+            </a:ext>
+          </a:extLst>
+        </p:cNvPr>
+        <p:cNvGrpSpPr/>
+        <p:nvPr/>
+      </p:nvGrpSpPr>
+      <p:grpSpPr>
+        <a:xfrm>
+          <a:off x="0" y="0"/>
+          <a:ext cx="0" cy="0"/>
+          <a:chOff x="0" y="0"/>
+          <a:chExt cx="0" cy="0"/>
+        </a:xfrm>
+      </p:grpSpPr>
+      <p:pic>
+        <p:nvPicPr>
+          <p:cNvPr id="4" name="Picture 3">
+            <a:extLst>
+              <a:ext uri="{FF2B5EF4-FFF2-40B4-BE49-F238E27FC236}">
+                <a16:creationId xmlns:a16="http://schemas.microsoft.com/office/drawing/2014/main" id="{FF673881-8F0D-8DB1-8E79-D65B261753AA}"/>
+              </a:ext>
+            </a:extLst>
+          </p:cNvPr>
+          <p:cNvPicPr>
+            <a:picLocks noChangeAspect="1"/>
+          </p:cNvPicPr>
+          <p:nvPr/>
+        </p:nvPicPr>
+        <p:blipFill>
+          <a:blip r:embed="rId2"/>
+          <a:stretch>
+            <a:fillRect/>
+          </a:stretch>
+        </p:blipFill>
+        <p:spPr>
+          <a:xfrm>
+            <a:off x="6676255" y="494412"/>
+            <a:ext cx="5515745" cy="6363588"/>
+          </a:xfrm>
+          <a:prstGeom prst="rect">
+            <a:avLst/>
+          </a:prstGeom>
+        </p:spPr>
+      </p:pic>
+      <p:sp>
+        <p:nvSpPr>
+          <p:cNvPr id="5" name="TextBox 4">
+            <a:extLst>
+              <a:ext uri="{FF2B5EF4-FFF2-40B4-BE49-F238E27FC236}">
+                <a16:creationId xmlns:a16="http://schemas.microsoft.com/office/drawing/2014/main" id="{D5F63F62-06B2-43C9-8E4A-F311F2D7592F}"/>
+              </a:ext>
+            </a:extLst>
+          </p:cNvPr>
+          <p:cNvSpPr txBox="1"/>
+          <p:nvPr/>
+        </p:nvSpPr>
+        <p:spPr>
+          <a:xfrm>
+            <a:off x="217715" y="255046"/>
+            <a:ext cx="6249074" cy="355354"/>
+          </a:xfrm>
+          <a:prstGeom prst="rect">
+            <a:avLst/>
+          </a:prstGeom>
+          <a:noFill/>
+        </p:spPr>
+        <p:txBody>
+          <a:bodyPr wrap="square">
+            <a:spAutoFit/>
+          </a:bodyPr>
+          <a:lstStyle/>
+          <a:p>
+            <a:pPr>
+              <a:lnSpc>
+                <a:spcPct val="150000"/>
+              </a:lnSpc>
+              <a:buNone/>
+            </a:pPr>
+            <a:r>
+              <a:rPr lang="en-US" altLang="en-US" sz="1300" b="1">
+                <a:solidFill>
+                  <a:srgbClr val="0070C0"/>
+                </a:solidFill>
+                <a:latin typeface="Arial" panose="020B0604020202020204" pitchFamily="34" charset="0"/>
+              </a:rPr>
+              <a:t>publish_date() </a:t>
+            </a:r>
+            <a:r>
+              <a:rPr lang="az-Latn-AZ" altLang="en-US" sz="1300">
+                <a:latin typeface="Arial" panose="020B0604020202020204" pitchFamily="34" charset="0"/>
+              </a:rPr>
+              <a:t>sütununun önünə </a:t>
+            </a:r>
+            <a:r>
+              <a:rPr lang="az-Latn-AZ" altLang="en-US" sz="1300" b="1">
+                <a:latin typeface="Arial" panose="020B0604020202020204" pitchFamily="34" charset="0"/>
+              </a:rPr>
+              <a:t>nullable() </a:t>
+            </a:r>
+            <a:r>
+              <a:rPr lang="az-Latn-AZ" altLang="en-US" sz="1300">
+                <a:latin typeface="Arial" panose="020B0604020202020204" pitchFamily="34" charset="0"/>
+              </a:rPr>
+              <a:t>metodunu əlavə edirik.</a:t>
+            </a:r>
+            <a:endParaRPr kumimoji="0" lang="en-US" altLang="en-US" sz="1300" b="0" i="0" u="none" strike="noStrike" cap="none" normalizeH="0" baseline="0">
+              <a:ln>
+                <a:noFill/>
+              </a:ln>
+              <a:solidFill>
+                <a:schemeClr val="tx1"/>
+              </a:solidFill>
+              <a:effectLst/>
+              <a:latin typeface="Arial" panose="020B0604020202020204" pitchFamily="34" charset="0"/>
+            </a:endParaRPr>
+          </a:p>
+        </p:txBody>
+      </p:sp>
+    </p:spTree>
+    <p:extLst>
+      <p:ext uri="{BB962C8B-B14F-4D97-AF65-F5344CB8AC3E}">
+        <p14:creationId xmlns:p14="http://schemas.microsoft.com/office/powerpoint/2010/main" val="3095838342"/>
+      </p:ext>
+    </p:extLst>
+  </p:cSld>
+  <p:clrMapOvr>
+    <a:masterClrMapping/>
+  </p:clrMapOvr>
+</p:sld>
+</file>
+
+<file path=ppt/slides/slide5.xml><?xml version="1.0" encoding="utf-8"?>
 <p:sld xmlns:a="http://schemas.openxmlformats.org/drawingml/2006/main" xmlns:r="http://schemas.openxmlformats.org/officeDocument/2006/relationships" xmlns:p="http://schemas.openxmlformats.org/presentationml/2006/main">
   <p:cSld>
     <p:spTree>
@@ -3609,7 +5715,7 @@
         <p:spPr>
           <a:xfrm>
             <a:off x="217714" y="255046"/>
-            <a:ext cx="11756571" cy="355354"/>
+            <a:ext cx="11756571" cy="655436"/>
           </a:xfrm>
           <a:prstGeom prst="rect">
             <a:avLst/>
@@ -3629,21 +5735,126 @@
               <a:buNone/>
             </a:pPr>
             <a:r>
-              <a:rPr kumimoji="0" lang="en-US" altLang="en-US" sz="1300" b="0" i="0" u="none" strike="noStrike" cap="none" normalizeH="0" baseline="0">
-                <a:ln>
-                  <a:noFill/>
-                </a:ln>
-                <a:solidFill>
-                  <a:schemeClr val="tx1"/>
-                </a:solidFill>
-                <a:effectLst/>
+              <a:rPr lang="az-Latn-AZ" altLang="en-US" sz="1300" b="1">
                 <a:latin typeface="Arial" panose="020B0604020202020204" pitchFamily="34" charset="0"/>
               </a:rPr>
-              <a:t>.</a:t>
-            </a:r>
-          </a:p>
-        </p:txBody>
-      </p:sp>
+              <a:t>Router -larıda</a:t>
+            </a:r>
+            <a:r>
+              <a:rPr lang="az-Latn-AZ" altLang="en-US" sz="1300">
+                <a:latin typeface="Arial" panose="020B0604020202020204" pitchFamily="34" charset="0"/>
+              </a:rPr>
+              <a:t> qeyd etdikdən sonra, </a:t>
+            </a:r>
+            <a:r>
+              <a:rPr lang="az-Latn-AZ" altLang="en-US" sz="1300" b="1">
+                <a:latin typeface="Arial" panose="020B0604020202020204" pitchFamily="34" charset="0"/>
+              </a:rPr>
+              <a:t>brazuerə</a:t>
+            </a:r>
+            <a:r>
+              <a:rPr lang="az-Latn-AZ" altLang="en-US" sz="1300">
+                <a:latin typeface="Arial" panose="020B0604020202020204" pitchFamily="34" charset="0"/>
+              </a:rPr>
+              <a:t> gedərək həmin </a:t>
+            </a:r>
+            <a:r>
+              <a:rPr lang="az-Latn-AZ" altLang="en-US" sz="1300" b="1">
+                <a:latin typeface="Arial" panose="020B0604020202020204" pitchFamily="34" charset="0"/>
+              </a:rPr>
+              <a:t>linklərə</a:t>
+            </a:r>
+            <a:r>
+              <a:rPr lang="az-Latn-AZ" altLang="en-US" sz="1300">
+                <a:latin typeface="Arial" panose="020B0604020202020204" pitchFamily="34" charset="0"/>
+              </a:rPr>
+              <a:t> giriş edirik ki, </a:t>
+            </a:r>
+            <a:r>
+              <a:rPr lang="en-US" altLang="en-US" sz="1300" b="1">
+                <a:latin typeface="Arial" panose="020B0604020202020204" pitchFamily="34" charset="0"/>
+              </a:rPr>
+              <a:t>GET</a:t>
+            </a:r>
+            <a:r>
+              <a:rPr lang="az-Latn-AZ" altLang="en-US" sz="1300">
+                <a:latin typeface="Arial" panose="020B0604020202020204" pitchFamily="34" charset="0"/>
+              </a:rPr>
+              <a:t> sorğusu göndərərək </a:t>
+            </a:r>
+            <a:r>
+              <a:rPr lang="az-Latn-AZ" altLang="en-US" sz="1300" b="1">
+                <a:latin typeface="Arial" panose="020B0604020202020204" pitchFamily="34" charset="0"/>
+              </a:rPr>
+              <a:t>Controller</a:t>
+            </a:r>
+            <a:r>
+              <a:rPr lang="az-Latn-AZ" altLang="en-US" sz="1300">
+                <a:latin typeface="Arial" panose="020B0604020202020204" pitchFamily="34" charset="0"/>
+              </a:rPr>
+              <a:t> -ləri işə salaq ki, </a:t>
+            </a:r>
+            <a:r>
+              <a:rPr lang="az-Latn-AZ" altLang="en-US" sz="1300" b="1">
+                <a:latin typeface="Arial" panose="020B0604020202020204" pitchFamily="34" charset="0"/>
+              </a:rPr>
+              <a:t>DB</a:t>
+            </a:r>
+            <a:r>
+              <a:rPr lang="az-Latn-AZ" altLang="en-US" sz="1300">
+                <a:latin typeface="Arial" panose="020B0604020202020204" pitchFamily="34" charset="0"/>
+              </a:rPr>
+              <a:t> dəki cədvəllər məlumatlar ilə doldurulsun.</a:t>
+            </a:r>
+            <a:endParaRPr kumimoji="0" lang="en-US" altLang="en-US" sz="1300" b="0" i="0" u="none" strike="noStrike" cap="none" normalizeH="0" baseline="0">
+              <a:ln>
+                <a:noFill/>
+              </a:ln>
+              <a:solidFill>
+                <a:schemeClr val="tx1"/>
+              </a:solidFill>
+              <a:effectLst/>
+              <a:latin typeface="Arial" panose="020B0604020202020204" pitchFamily="34" charset="0"/>
+            </a:endParaRPr>
+          </a:p>
+        </p:txBody>
+      </p:sp>
+      <p:pic>
+        <p:nvPicPr>
+          <p:cNvPr id="6" name="Picture 5">
+            <a:extLst>
+              <a:ext uri="{FF2B5EF4-FFF2-40B4-BE49-F238E27FC236}">
+                <a16:creationId xmlns:a16="http://schemas.microsoft.com/office/drawing/2014/main" id="{6421225E-E8F6-239B-1E7B-C9B648A09291}"/>
+              </a:ext>
+            </a:extLst>
+          </p:cNvPr>
+          <p:cNvPicPr>
+            <a:picLocks noChangeAspect="1"/>
+          </p:cNvPicPr>
+          <p:nvPr/>
+        </p:nvPicPr>
+        <p:blipFill>
+          <a:blip r:embed="rId2">
+            <a:extLst>
+              <a:ext uri="{28A0092B-C50C-407E-A947-70E740481C1C}">
+                <a14:useLocalDpi xmlns:a14="http://schemas.microsoft.com/office/drawing/2010/main" val="0"/>
+              </a:ext>
+            </a:extLst>
+          </a:blip>
+          <a:stretch>
+            <a:fillRect/>
+          </a:stretch>
+        </p:blipFill>
+        <p:spPr>
+          <a:xfrm>
+            <a:off x="4285147" y="2171046"/>
+            <a:ext cx="7906853" cy="4686954"/>
+          </a:xfrm>
+          <a:prstGeom prst="rect">
+            <a:avLst/>
+          </a:prstGeom>
+        </p:spPr>
+      </p:pic>
     </p:spTree>
     <p:extLst>
       <p:ext uri="{BB962C8B-B14F-4D97-AF65-F5344CB8AC3E}">
@@ -3657,7 +5868,7 @@
 </p:sld>
 </file>
 
-<file path=ppt/slides/slide5.xml><?xml version="1.0" encoding="utf-8"?>
+<file path=ppt/slides/slide6.xml><?xml version="1.0" encoding="utf-8"?>
 <p:sld xmlns:a="http://schemas.openxmlformats.org/drawingml/2006/main" xmlns:r="http://schemas.openxmlformats.org/officeDocument/2006/relationships" xmlns:p="http://schemas.openxmlformats.org/presentationml/2006/main">
   <p:cSld>
     <p:spTree>
@@ -3665,7 +5876,7 @@
         <p:cNvPr id="1" name="">
           <a:extLst>
             <a:ext uri="{FF2B5EF4-FFF2-40B4-BE49-F238E27FC236}">
-              <a16:creationId xmlns:a16="http://schemas.microsoft.com/office/drawing/2014/main" id="{ECE25D7D-A080-F22B-7E8D-36EC827289A1}"/>
+              <a16:creationId xmlns:a16="http://schemas.microsoft.com/office/drawing/2014/main" id="{E13304BF-3608-31ED-0C48-9430826E24EB}"/>
             </a:ext>
           </a:extLst>
         </p:cNvPr>
@@ -3680,12 +5891,296 @@
           <a:chExt cx="0" cy="0"/>
         </a:xfrm>
       </p:grpSpPr>
+      <p:pic>
+        <p:nvPicPr>
+          <p:cNvPr id="3" name="Picture 2">
+            <a:extLst>
+              <a:ext uri="{FF2B5EF4-FFF2-40B4-BE49-F238E27FC236}">
+                <a16:creationId xmlns:a16="http://schemas.microsoft.com/office/drawing/2014/main" id="{A5EB23C1-A2F5-7AB3-27F6-81877BA0AC4F}"/>
+              </a:ext>
+            </a:extLst>
+          </p:cNvPr>
+          <p:cNvPicPr>
+            <a:picLocks noChangeAspect="1"/>
+          </p:cNvPicPr>
+          <p:nvPr/>
+        </p:nvPicPr>
+        <p:blipFill>
+          <a:blip r:embed="rId2"/>
+          <a:stretch>
+            <a:fillRect/>
+          </a:stretch>
+        </p:blipFill>
+        <p:spPr>
+          <a:xfrm>
+            <a:off x="78345" y="75415"/>
+            <a:ext cx="5153744" cy="1524213"/>
+          </a:xfrm>
+          <a:prstGeom prst="rect">
+            <a:avLst/>
+          </a:prstGeom>
+          <a:ln w="38100" cap="sq">
+            <a:solidFill>
+              <a:srgbClr val="000000"/>
+            </a:solidFill>
+            <a:prstDash val="solid"/>
+            <a:miter lim="800000"/>
+          </a:ln>
+          <a:effectLst>
+            <a:outerShdw blurRad="50800" dist="38100" dir="2700000" algn="tl" rotWithShape="0">
+              <a:srgbClr val="000000">
+                <a:alpha val="43000"/>
+              </a:srgbClr>
+            </a:outerShdw>
+          </a:effectLst>
+        </p:spPr>
+      </p:pic>
+      <p:pic>
+        <p:nvPicPr>
+          <p:cNvPr id="5" name="Picture 4">
+            <a:extLst>
+              <a:ext uri="{FF2B5EF4-FFF2-40B4-BE49-F238E27FC236}">
+                <a16:creationId xmlns:a16="http://schemas.microsoft.com/office/drawing/2014/main" id="{074FE28F-A83D-563D-B51B-EF1ED6ABD9D6}"/>
+              </a:ext>
+            </a:extLst>
+          </p:cNvPr>
+          <p:cNvPicPr>
+            <a:picLocks noChangeAspect="1"/>
+          </p:cNvPicPr>
+          <p:nvPr/>
+        </p:nvPicPr>
+        <p:blipFill>
+          <a:blip r:embed="rId3"/>
+          <a:stretch>
+            <a:fillRect/>
+          </a:stretch>
+        </p:blipFill>
+        <p:spPr>
+          <a:xfrm>
+            <a:off x="6972268" y="5553988"/>
+            <a:ext cx="5153744" cy="1200318"/>
+          </a:xfrm>
+          <a:prstGeom prst="rect">
+            <a:avLst/>
+          </a:prstGeom>
+          <a:ln w="38100" cap="sq">
+            <a:solidFill>
+              <a:srgbClr val="000000"/>
+            </a:solidFill>
+            <a:prstDash val="solid"/>
+            <a:miter lim="800000"/>
+          </a:ln>
+          <a:effectLst>
+            <a:outerShdw blurRad="50800" dist="38100" dir="2700000" algn="tl" rotWithShape="0">
+              <a:srgbClr val="000000">
+                <a:alpha val="43000"/>
+              </a:srgbClr>
+            </a:outerShdw>
+          </a:effectLst>
+        </p:spPr>
+      </p:pic>
+    </p:spTree>
+    <p:extLst>
+      <p:ext uri="{BB962C8B-B14F-4D97-AF65-F5344CB8AC3E}">
+        <p14:creationId xmlns:p14="http://schemas.microsoft.com/office/powerpoint/2010/main" val="449880318"/>
+      </p:ext>
+    </p:extLst>
+  </p:cSld>
+  <p:clrMapOvr>
+    <a:masterClrMapping/>
+  </p:clrMapOvr>
+</p:sld>
+</file>
+
+<file path=ppt/slides/slide7.xml><?xml version="1.0" encoding="utf-8"?>
+<p:sld xmlns:a="http://schemas.openxmlformats.org/drawingml/2006/main" xmlns:r="http://schemas.openxmlformats.org/officeDocument/2006/relationships" xmlns:p="http://schemas.openxmlformats.org/presentationml/2006/main">
+  <p:cSld>
+    <p:spTree>
+      <p:nvGrpSpPr>
+        <p:cNvPr id="1" name="">
+          <a:extLst>
+            <a:ext uri="{FF2B5EF4-FFF2-40B4-BE49-F238E27FC236}">
+              <a16:creationId xmlns:a16="http://schemas.microsoft.com/office/drawing/2014/main" id="{8ABFBC7D-9212-9B81-9DA4-A287176E5A9B}"/>
+            </a:ext>
+          </a:extLst>
+        </p:cNvPr>
+        <p:cNvGrpSpPr/>
+        <p:nvPr/>
+      </p:nvGrpSpPr>
+      <p:grpSpPr>
+        <a:xfrm>
+          <a:off x="0" y="0"/>
+          <a:ext cx="0" cy="0"/>
+          <a:chOff x="0" y="0"/>
+          <a:chExt cx="0" cy="0"/>
+        </a:xfrm>
+      </p:grpSpPr>
+      <p:pic>
+        <p:nvPicPr>
+          <p:cNvPr id="3" name="Picture 2">
+            <a:extLst>
+              <a:ext uri="{FF2B5EF4-FFF2-40B4-BE49-F238E27FC236}">
+                <a16:creationId xmlns:a16="http://schemas.microsoft.com/office/drawing/2014/main" id="{936C6E80-41C9-BD00-E42C-FDE4618FA49B}"/>
+              </a:ext>
+            </a:extLst>
+          </p:cNvPr>
+          <p:cNvPicPr>
+            <a:picLocks noChangeAspect="1"/>
+          </p:cNvPicPr>
+          <p:nvPr/>
+        </p:nvPicPr>
+        <p:blipFill>
+          <a:blip r:embed="rId2"/>
+          <a:stretch>
+            <a:fillRect/>
+          </a:stretch>
+        </p:blipFill>
+        <p:spPr>
+          <a:xfrm>
+            <a:off x="0" y="1564014"/>
+            <a:ext cx="12192000" cy="3729972"/>
+          </a:xfrm>
+          <a:prstGeom prst="rect">
+            <a:avLst/>
+          </a:prstGeom>
+          <a:ln w="38100" cap="sq">
+            <a:solidFill>
+              <a:srgbClr val="000000"/>
+            </a:solidFill>
+            <a:prstDash val="solid"/>
+            <a:miter lim="800000"/>
+          </a:ln>
+          <a:effectLst>
+            <a:outerShdw blurRad="50800" dist="38100" dir="2700000" algn="tl" rotWithShape="0">
+              <a:srgbClr val="000000">
+                <a:alpha val="43000"/>
+              </a:srgbClr>
+            </a:outerShdw>
+          </a:effectLst>
+        </p:spPr>
+      </p:pic>
+    </p:spTree>
+    <p:extLst>
+      <p:ext uri="{BB962C8B-B14F-4D97-AF65-F5344CB8AC3E}">
+        <p14:creationId xmlns:p14="http://schemas.microsoft.com/office/powerpoint/2010/main" val="2279985631"/>
+      </p:ext>
+    </p:extLst>
+  </p:cSld>
+  <p:clrMapOvr>
+    <a:masterClrMapping/>
+  </p:clrMapOvr>
+</p:sld>
+</file>
+
+<file path=ppt/slides/slide8.xml><?xml version="1.0" encoding="utf-8"?>
+<p:sld xmlns:a="http://schemas.openxmlformats.org/drawingml/2006/main" xmlns:r="http://schemas.openxmlformats.org/officeDocument/2006/relationships" xmlns:p="http://schemas.openxmlformats.org/presentationml/2006/main">
+  <p:cSld>
+    <p:spTree>
+      <p:nvGrpSpPr>
+        <p:cNvPr id="1" name="">
+          <a:extLst>
+            <a:ext uri="{FF2B5EF4-FFF2-40B4-BE49-F238E27FC236}">
+              <a16:creationId xmlns:a16="http://schemas.microsoft.com/office/drawing/2014/main" id="{01C0D7F2-86EB-D46B-A97E-4B28731D6BCA}"/>
+            </a:ext>
+          </a:extLst>
+        </p:cNvPr>
+        <p:cNvGrpSpPr/>
+        <p:nvPr/>
+      </p:nvGrpSpPr>
+      <p:grpSpPr>
+        <a:xfrm>
+          <a:off x="0" y="0"/>
+          <a:ext cx="0" cy="0"/>
+          <a:chOff x="0" y="0"/>
+          <a:chExt cx="0" cy="0"/>
+        </a:xfrm>
+      </p:grpSpPr>
+      <p:pic>
+        <p:nvPicPr>
+          <p:cNvPr id="3" name="Picture 2">
+            <a:extLst>
+              <a:ext uri="{FF2B5EF4-FFF2-40B4-BE49-F238E27FC236}">
+                <a16:creationId xmlns:a16="http://schemas.microsoft.com/office/drawing/2014/main" id="{1733A8B1-714D-05F3-15EB-6A632F15285B}"/>
+              </a:ext>
+            </a:extLst>
+          </p:cNvPr>
+          <p:cNvPicPr>
+            <a:picLocks noChangeAspect="1"/>
+          </p:cNvPicPr>
+          <p:nvPr/>
+        </p:nvPicPr>
+        <p:blipFill>
+          <a:blip r:embed="rId2"/>
+          <a:stretch>
+            <a:fillRect/>
+          </a:stretch>
+        </p:blipFill>
+        <p:spPr>
+          <a:xfrm>
+            <a:off x="0" y="1488518"/>
+            <a:ext cx="12192000" cy="3880964"/>
+          </a:xfrm>
+          <a:prstGeom prst="rect">
+            <a:avLst/>
+          </a:prstGeom>
+          <a:ln w="38100" cap="sq">
+            <a:solidFill>
+              <a:srgbClr val="000000"/>
+            </a:solidFill>
+            <a:prstDash val="solid"/>
+            <a:miter lim="800000"/>
+          </a:ln>
+          <a:effectLst>
+            <a:outerShdw blurRad="50800" dist="38100" dir="2700000" algn="tl" rotWithShape="0">
+              <a:srgbClr val="000000">
+                <a:alpha val="43000"/>
+              </a:srgbClr>
+            </a:outerShdw>
+          </a:effectLst>
+        </p:spPr>
+      </p:pic>
+    </p:spTree>
+    <p:extLst>
+      <p:ext uri="{BB962C8B-B14F-4D97-AF65-F5344CB8AC3E}">
+        <p14:creationId xmlns:p14="http://schemas.microsoft.com/office/powerpoint/2010/main" val="3309510681"/>
+      </p:ext>
+    </p:extLst>
+  </p:cSld>
+  <p:clrMapOvr>
+    <a:masterClrMapping/>
+  </p:clrMapOvr>
+</p:sld>
+</file>
+
+<file path=ppt/slides/slide9.xml><?xml version="1.0" encoding="utf-8"?>
+<p:sld xmlns:a="http://schemas.openxmlformats.org/drawingml/2006/main" xmlns:r="http://schemas.openxmlformats.org/officeDocument/2006/relationships" xmlns:p="http://schemas.openxmlformats.org/presentationml/2006/main">
+  <p:cSld>
+    <p:spTree>
+      <p:nvGrpSpPr>
+        <p:cNvPr id="1" name="">
+          <a:extLst>
+            <a:ext uri="{FF2B5EF4-FFF2-40B4-BE49-F238E27FC236}">
+              <a16:creationId xmlns:a16="http://schemas.microsoft.com/office/drawing/2014/main" id="{7D0911DD-95DC-6008-5643-53C0BE8F0631}"/>
+            </a:ext>
+          </a:extLst>
+        </p:cNvPr>
+        <p:cNvGrpSpPr/>
+        <p:nvPr/>
+      </p:nvGrpSpPr>
+      <p:grpSpPr>
+        <a:xfrm>
+          <a:off x="0" y="0"/>
+          <a:ext cx="0" cy="0"/>
+          <a:chOff x="0" y="0"/>
+          <a:chExt cx="0" cy="0"/>
+        </a:xfrm>
+      </p:grpSpPr>
       <p:sp>
         <p:nvSpPr>
           <p:cNvPr id="3" name="TextBox 2">
             <a:extLst>
               <a:ext uri="{FF2B5EF4-FFF2-40B4-BE49-F238E27FC236}">
-                <a16:creationId xmlns:a16="http://schemas.microsoft.com/office/drawing/2014/main" id="{E33F16A3-A6E8-401E-847B-09570DC6E4CB}"/>
+                <a16:creationId xmlns:a16="http://schemas.microsoft.com/office/drawing/2014/main" id="{EB45E0F3-5BA5-9281-0174-EBE07E6D6F87}"/>
               </a:ext>
             </a:extLst>
           </p:cNvPr>
@@ -3694,8 +6189,8 @@
         </p:nvSpPr>
         <p:spPr>
           <a:xfrm>
-            <a:off x="217714" y="255046"/>
-            <a:ext cx="11756571" cy="355354"/>
+            <a:off x="208960" y="241722"/>
+            <a:ext cx="11774079" cy="1477328"/>
           </a:xfrm>
           <a:prstGeom prst="rect">
             <a:avLst/>
@@ -3708,32 +6203,94 @@
           </a:bodyPr>
           <a:lstStyle/>
           <a:p>
-            <a:pPr>
-              <a:lnSpc>
-                <a:spcPct val="150000"/>
-              </a:lnSpc>
-              <a:buNone/>
-            </a:pPr>
-            <a:r>
-              <a:rPr kumimoji="0" lang="en-US" altLang="en-US" sz="1300" b="0" i="0" u="none" strike="noStrike" cap="none" normalizeH="0" baseline="0">
-                <a:ln>
-                  <a:noFill/>
-                </a:ln>
+            <a:r>
+              <a:rPr lang="en-US" b="1">
                 <a:solidFill>
-                  <a:schemeClr val="tx1"/>
+                  <a:srgbClr val="FF0000"/>
                 </a:solidFill>
-                <a:effectLst/>
-                <a:latin typeface="Arial" panose="020B0604020202020204" pitchFamily="34" charset="0"/>
               </a:rPr>
-              <a:t>.</a:t>
-            </a:r>
-          </a:p>
-        </p:txBody>
-      </p:sp>
+              <a:t>join() </a:t>
+            </a:r>
+            <a:r>
+              <a:rPr lang="en-US"/>
+              <a:t>nədir?</a:t>
+            </a:r>
+            <a:endParaRPr lang="az-Latn-AZ"/>
+          </a:p>
+          <a:p>
+            <a:endParaRPr lang="en-US"/>
+          </a:p>
+          <a:p>
+            <a:r>
+              <a:rPr lang="en-US"/>
+              <a:t>Laravel Query Builder-də </a:t>
+            </a:r>
+            <a:r>
+              <a:rPr lang="en-US" b="1"/>
+              <a:t>join() </a:t>
+            </a:r>
+            <a:r>
+              <a:rPr lang="en-US"/>
+              <a:t>metodu iki və ya daha çox cədvəli əlaqələndirmək (birləşdirmək) üçün istifadə olunur.</a:t>
+            </a:r>
+          </a:p>
+          <a:p>
+            <a:endParaRPr lang="en-US"/>
+          </a:p>
+          <a:p>
+            <a:r>
+              <a:rPr lang="en-US"/>
+              <a:t>Bu, SQL-dəki </a:t>
+            </a:r>
+            <a:r>
+              <a:rPr lang="en-US" b="1">
+                <a:solidFill>
+                  <a:srgbClr val="0070C0"/>
+                </a:solidFill>
+              </a:rPr>
+              <a:t>INNER JOIN </a:t>
+            </a:r>
+            <a:r>
+              <a:rPr lang="en-US"/>
+              <a:t>əməliyyatına bərabərdir.</a:t>
+            </a:r>
+          </a:p>
+        </p:txBody>
+      </p:sp>
+      <p:pic>
+        <p:nvPicPr>
+          <p:cNvPr id="5" name="Picture 4">
+            <a:extLst>
+              <a:ext uri="{FF2B5EF4-FFF2-40B4-BE49-F238E27FC236}">
+                <a16:creationId xmlns:a16="http://schemas.microsoft.com/office/drawing/2014/main" id="{FBB81F84-61BD-69DC-0A8A-D26F6B67D1F6}"/>
+              </a:ext>
+            </a:extLst>
+          </p:cNvPr>
+          <p:cNvPicPr>
+            <a:picLocks noChangeAspect="1"/>
+          </p:cNvPicPr>
+          <p:nvPr/>
+        </p:nvPicPr>
+        <p:blipFill>
+          <a:blip r:embed="rId2"/>
+          <a:stretch>
+            <a:fillRect/>
+          </a:stretch>
+        </p:blipFill>
+        <p:spPr>
+          <a:xfrm>
+            <a:off x="208960" y="2210141"/>
+            <a:ext cx="9021434" cy="1438476"/>
+          </a:xfrm>
+          <a:prstGeom prst="rect">
+            <a:avLst/>
+          </a:prstGeom>
+        </p:spPr>
+      </p:pic>
     </p:spTree>
     <p:extLst>
       <p:ext uri="{BB962C8B-B14F-4D97-AF65-F5344CB8AC3E}">
-        <p14:creationId xmlns:p14="http://schemas.microsoft.com/office/powerpoint/2010/main" val="3095838342"/>
+        <p14:creationId xmlns:p14="http://schemas.microsoft.com/office/powerpoint/2010/main" val="2325392619"/>
       </p:ext>
     </p:extLst>
   </p:cSld>
